--- a/slide_reveal/slides.pptx
+++ b/slide_reveal/slides.pptx
@@ -59,7 +59,7 @@
       </p:grpSpPr>
       <p:sp>
         <p:nvSpPr>
-          <p:cNvPr id="26" name="PlaceHolder 1"/>
+          <p:cNvPr id="23" name="PlaceHolder 1"/>
           <p:cNvSpPr>
             <a:spLocks noGrp="1"/>
           </p:cNvSpPr>
@@ -69,8 +69,8 @@
         </p:nvSpPr>
         <p:spPr>
           <a:xfrm>
-            <a:off x="838080" y="365040"/>
-            <a:ext cx="10515240" cy="1325160"/>
+            <a:off x="609480" y="273600"/>
+            <a:ext cx="10972440" cy="1144800"/>
           </a:xfrm>
           <a:prstGeom prst="rect">
             <a:avLst/>
@@ -79,23 +79,24 @@
         <p:txBody>
           <a:bodyPr lIns="0" rIns="0" tIns="0" bIns="0" anchor="ctr"/>
           <a:p>
-            <a:endParaRPr b="0" lang="fr-FR" sz="1800" spc="-1" strike="noStrike">
-              <a:solidFill>
-                <a:srgbClr val="000000"/>
-              </a:solidFill>
-              <a:uFill>
-                <a:solidFill>
-                  <a:srgbClr val="ffffff"/>
-                </a:solidFill>
-              </a:uFill>
-              <a:latin typeface="Calibri"/>
-            </a:endParaRPr>
-          </a:p>
-        </p:txBody>
-      </p:sp>
-      <p:sp>
-        <p:nvSpPr>
-          <p:cNvPr id="27" name="PlaceHolder 2"/>
+            <a:pPr algn="ctr"/>
+            <a:endParaRPr b="0" lang="en-US" sz="4400" spc="-1" strike="noStrike">
+              <a:solidFill>
+                <a:srgbClr val="000000"/>
+              </a:solidFill>
+              <a:uFill>
+                <a:solidFill>
+                  <a:srgbClr val="ffffff"/>
+                </a:solidFill>
+              </a:uFill>
+              <a:latin typeface="Arial"/>
+            </a:endParaRPr>
+          </a:p>
+        </p:txBody>
+      </p:sp>
+      <p:sp>
+        <p:nvSpPr>
+          <p:cNvPr id="24" name="PlaceHolder 2"/>
           <p:cNvSpPr>
             <a:spLocks noGrp="1"/>
           </p:cNvSpPr>
@@ -105,8 +106,8 @@
         </p:nvSpPr>
         <p:spPr>
           <a:xfrm>
-            <a:off x="838080" y="1825560"/>
-            <a:ext cx="10515240" cy="2075040"/>
+            <a:off x="609480" y="1604520"/>
+            <a:ext cx="10972440" cy="1896840"/>
           </a:xfrm>
           <a:prstGeom prst="rect">
             <a:avLst/>
@@ -115,23 +116,23 @@
         <p:txBody>
           <a:bodyPr lIns="0" rIns="0" tIns="0" bIns="0"/>
           <a:p>
-            <a:endParaRPr b="0" lang="fr-FR" sz="2800" spc="-1" strike="noStrike">
-              <a:solidFill>
-                <a:srgbClr val="000000"/>
-              </a:solidFill>
-              <a:uFill>
-                <a:solidFill>
-                  <a:srgbClr val="ffffff"/>
-                </a:solidFill>
-              </a:uFill>
-              <a:latin typeface="Calibri"/>
-            </a:endParaRPr>
-          </a:p>
-        </p:txBody>
-      </p:sp>
-      <p:sp>
-        <p:nvSpPr>
-          <p:cNvPr id="28" name="PlaceHolder 3"/>
+            <a:endParaRPr b="0" lang="en-US" sz="3200" spc="-1" strike="noStrike">
+              <a:solidFill>
+                <a:srgbClr val="000000"/>
+              </a:solidFill>
+              <a:uFill>
+                <a:solidFill>
+                  <a:srgbClr val="ffffff"/>
+                </a:solidFill>
+              </a:uFill>
+              <a:latin typeface="Arial"/>
+            </a:endParaRPr>
+          </a:p>
+        </p:txBody>
+      </p:sp>
+      <p:sp>
+        <p:nvSpPr>
+          <p:cNvPr id="25" name="PlaceHolder 3"/>
           <p:cNvSpPr>
             <a:spLocks noGrp="1"/>
           </p:cNvSpPr>
@@ -141,8 +142,8 @@
         </p:nvSpPr>
         <p:spPr>
           <a:xfrm>
-            <a:off x="838080" y="4098240"/>
-            <a:ext cx="10515240" cy="2075040"/>
+            <a:off x="609480" y="3682080"/>
+            <a:ext cx="10972440" cy="1896840"/>
           </a:xfrm>
           <a:prstGeom prst="rect">
             <a:avLst/>
@@ -151,16 +152,16 @@
         <p:txBody>
           <a:bodyPr lIns="0" rIns="0" tIns="0" bIns="0"/>
           <a:p>
-            <a:endParaRPr b="0" lang="fr-FR" sz="2800" spc="-1" strike="noStrike">
-              <a:solidFill>
-                <a:srgbClr val="000000"/>
-              </a:solidFill>
-              <a:uFill>
-                <a:solidFill>
-                  <a:srgbClr val="ffffff"/>
-                </a:solidFill>
-              </a:uFill>
-              <a:latin typeface="Calibri"/>
+            <a:endParaRPr b="0" lang="en-US" sz="3200" spc="-1" strike="noStrike">
+              <a:solidFill>
+                <a:srgbClr val="000000"/>
+              </a:solidFill>
+              <a:uFill>
+                <a:solidFill>
+                  <a:srgbClr val="ffffff"/>
+                </a:solidFill>
+              </a:uFill>
+              <a:latin typeface="Arial"/>
             </a:endParaRPr>
           </a:p>
         </p:txBody>
@@ -189,7 +190,7 @@
       </p:grpSpPr>
       <p:sp>
         <p:nvSpPr>
-          <p:cNvPr id="29" name="PlaceHolder 1"/>
+          <p:cNvPr id="26" name="PlaceHolder 1"/>
           <p:cNvSpPr>
             <a:spLocks noGrp="1"/>
           </p:cNvSpPr>
@@ -199,8 +200,8 @@
         </p:nvSpPr>
         <p:spPr>
           <a:xfrm>
-            <a:off x="838080" y="365040"/>
-            <a:ext cx="10515240" cy="1325160"/>
+            <a:off x="609480" y="273600"/>
+            <a:ext cx="10972440" cy="1144800"/>
           </a:xfrm>
           <a:prstGeom prst="rect">
             <a:avLst/>
@@ -209,23 +210,24 @@
         <p:txBody>
           <a:bodyPr lIns="0" rIns="0" tIns="0" bIns="0" anchor="ctr"/>
           <a:p>
-            <a:endParaRPr b="0" lang="fr-FR" sz="1800" spc="-1" strike="noStrike">
-              <a:solidFill>
-                <a:srgbClr val="000000"/>
-              </a:solidFill>
-              <a:uFill>
-                <a:solidFill>
-                  <a:srgbClr val="ffffff"/>
-                </a:solidFill>
-              </a:uFill>
-              <a:latin typeface="Calibri"/>
-            </a:endParaRPr>
-          </a:p>
-        </p:txBody>
-      </p:sp>
-      <p:sp>
-        <p:nvSpPr>
-          <p:cNvPr id="30" name="PlaceHolder 2"/>
+            <a:pPr algn="ctr"/>
+            <a:endParaRPr b="0" lang="en-US" sz="4400" spc="-1" strike="noStrike">
+              <a:solidFill>
+                <a:srgbClr val="000000"/>
+              </a:solidFill>
+              <a:uFill>
+                <a:solidFill>
+                  <a:srgbClr val="ffffff"/>
+                </a:solidFill>
+              </a:uFill>
+              <a:latin typeface="Arial"/>
+            </a:endParaRPr>
+          </a:p>
+        </p:txBody>
+      </p:sp>
+      <p:sp>
+        <p:nvSpPr>
+          <p:cNvPr id="27" name="PlaceHolder 2"/>
           <p:cNvSpPr>
             <a:spLocks noGrp="1"/>
           </p:cNvSpPr>
@@ -235,8 +237,8 @@
         </p:nvSpPr>
         <p:spPr>
           <a:xfrm>
-            <a:off x="838080" y="1825560"/>
-            <a:ext cx="5131080" cy="2075040"/>
+            <a:off x="609480" y="1604520"/>
+            <a:ext cx="5354280" cy="1896840"/>
           </a:xfrm>
           <a:prstGeom prst="rect">
             <a:avLst/>
@@ -245,23 +247,23 @@
         <p:txBody>
           <a:bodyPr lIns="0" rIns="0" tIns="0" bIns="0"/>
           <a:p>
-            <a:endParaRPr b="0" lang="fr-FR" sz="2800" spc="-1" strike="noStrike">
-              <a:solidFill>
-                <a:srgbClr val="000000"/>
-              </a:solidFill>
-              <a:uFill>
-                <a:solidFill>
-                  <a:srgbClr val="ffffff"/>
-                </a:solidFill>
-              </a:uFill>
-              <a:latin typeface="Calibri"/>
-            </a:endParaRPr>
-          </a:p>
-        </p:txBody>
-      </p:sp>
-      <p:sp>
-        <p:nvSpPr>
-          <p:cNvPr id="31" name="PlaceHolder 3"/>
+            <a:endParaRPr b="0" lang="en-US" sz="3200" spc="-1" strike="noStrike">
+              <a:solidFill>
+                <a:srgbClr val="000000"/>
+              </a:solidFill>
+              <a:uFill>
+                <a:solidFill>
+                  <a:srgbClr val="ffffff"/>
+                </a:solidFill>
+              </a:uFill>
+              <a:latin typeface="Arial"/>
+            </a:endParaRPr>
+          </a:p>
+        </p:txBody>
+      </p:sp>
+      <p:sp>
+        <p:nvSpPr>
+          <p:cNvPr id="28" name="PlaceHolder 3"/>
           <p:cNvSpPr>
             <a:spLocks noGrp="1"/>
           </p:cNvSpPr>
@@ -271,8 +273,8 @@
         </p:nvSpPr>
         <p:spPr>
           <a:xfrm>
-            <a:off x="6226200" y="1825560"/>
-            <a:ext cx="5131080" cy="2075040"/>
+            <a:off x="6231960" y="1604520"/>
+            <a:ext cx="5354280" cy="1896840"/>
           </a:xfrm>
           <a:prstGeom prst="rect">
             <a:avLst/>
@@ -281,23 +283,23 @@
         <p:txBody>
           <a:bodyPr lIns="0" rIns="0" tIns="0" bIns="0"/>
           <a:p>
-            <a:endParaRPr b="0" lang="fr-FR" sz="2800" spc="-1" strike="noStrike">
-              <a:solidFill>
-                <a:srgbClr val="000000"/>
-              </a:solidFill>
-              <a:uFill>
-                <a:solidFill>
-                  <a:srgbClr val="ffffff"/>
-                </a:solidFill>
-              </a:uFill>
-              <a:latin typeface="Calibri"/>
-            </a:endParaRPr>
-          </a:p>
-        </p:txBody>
-      </p:sp>
-      <p:sp>
-        <p:nvSpPr>
-          <p:cNvPr id="32" name="PlaceHolder 4"/>
+            <a:endParaRPr b="0" lang="en-US" sz="3200" spc="-1" strike="noStrike">
+              <a:solidFill>
+                <a:srgbClr val="000000"/>
+              </a:solidFill>
+              <a:uFill>
+                <a:solidFill>
+                  <a:srgbClr val="ffffff"/>
+                </a:solidFill>
+              </a:uFill>
+              <a:latin typeface="Arial"/>
+            </a:endParaRPr>
+          </a:p>
+        </p:txBody>
+      </p:sp>
+      <p:sp>
+        <p:nvSpPr>
+          <p:cNvPr id="29" name="PlaceHolder 4"/>
           <p:cNvSpPr>
             <a:spLocks noGrp="1"/>
           </p:cNvSpPr>
@@ -307,8 +309,8 @@
         </p:nvSpPr>
         <p:spPr>
           <a:xfrm>
-            <a:off x="6226200" y="4098240"/>
-            <a:ext cx="5131080" cy="2075040"/>
+            <a:off x="6231960" y="3682080"/>
+            <a:ext cx="5354280" cy="1896840"/>
           </a:xfrm>
           <a:prstGeom prst="rect">
             <a:avLst/>
@@ -317,23 +319,23 @@
         <p:txBody>
           <a:bodyPr lIns="0" rIns="0" tIns="0" bIns="0"/>
           <a:p>
-            <a:endParaRPr b="0" lang="fr-FR" sz="2800" spc="-1" strike="noStrike">
-              <a:solidFill>
-                <a:srgbClr val="000000"/>
-              </a:solidFill>
-              <a:uFill>
-                <a:solidFill>
-                  <a:srgbClr val="ffffff"/>
-                </a:solidFill>
-              </a:uFill>
-              <a:latin typeface="Calibri"/>
-            </a:endParaRPr>
-          </a:p>
-        </p:txBody>
-      </p:sp>
-      <p:sp>
-        <p:nvSpPr>
-          <p:cNvPr id="33" name="PlaceHolder 5"/>
+            <a:endParaRPr b="0" lang="en-US" sz="3200" spc="-1" strike="noStrike">
+              <a:solidFill>
+                <a:srgbClr val="000000"/>
+              </a:solidFill>
+              <a:uFill>
+                <a:solidFill>
+                  <a:srgbClr val="ffffff"/>
+                </a:solidFill>
+              </a:uFill>
+              <a:latin typeface="Arial"/>
+            </a:endParaRPr>
+          </a:p>
+        </p:txBody>
+      </p:sp>
+      <p:sp>
+        <p:nvSpPr>
+          <p:cNvPr id="30" name="PlaceHolder 5"/>
           <p:cNvSpPr>
             <a:spLocks noGrp="1"/>
           </p:cNvSpPr>
@@ -343,8 +345,8 @@
         </p:nvSpPr>
         <p:spPr>
           <a:xfrm>
-            <a:off x="838080" y="4098240"/>
-            <a:ext cx="5131080" cy="2075040"/>
+            <a:off x="609480" y="3682080"/>
+            <a:ext cx="5354280" cy="1896840"/>
           </a:xfrm>
           <a:prstGeom prst="rect">
             <a:avLst/>
@@ -353,16 +355,16 @@
         <p:txBody>
           <a:bodyPr lIns="0" rIns="0" tIns="0" bIns="0"/>
           <a:p>
-            <a:endParaRPr b="0" lang="fr-FR" sz="2800" spc="-1" strike="noStrike">
-              <a:solidFill>
-                <a:srgbClr val="000000"/>
-              </a:solidFill>
-              <a:uFill>
-                <a:solidFill>
-                  <a:srgbClr val="ffffff"/>
-                </a:solidFill>
-              </a:uFill>
-              <a:latin typeface="Calibri"/>
+            <a:endParaRPr b="0" lang="en-US" sz="3200" spc="-1" strike="noStrike">
+              <a:solidFill>
+                <a:srgbClr val="000000"/>
+              </a:solidFill>
+              <a:uFill>
+                <a:solidFill>
+                  <a:srgbClr val="ffffff"/>
+                </a:solidFill>
+              </a:uFill>
+              <a:latin typeface="Arial"/>
             </a:endParaRPr>
           </a:p>
         </p:txBody>
@@ -391,7 +393,7 @@
       </p:grpSpPr>
       <p:sp>
         <p:nvSpPr>
-          <p:cNvPr id="34" name="PlaceHolder 1"/>
+          <p:cNvPr id="31" name="PlaceHolder 1"/>
           <p:cNvSpPr>
             <a:spLocks noGrp="1"/>
           </p:cNvSpPr>
@@ -401,8 +403,8 @@
         </p:nvSpPr>
         <p:spPr>
           <a:xfrm>
-            <a:off x="838080" y="365040"/>
-            <a:ext cx="10515240" cy="1325160"/>
+            <a:off x="609480" y="273600"/>
+            <a:ext cx="10972440" cy="1144800"/>
           </a:xfrm>
           <a:prstGeom prst="rect">
             <a:avLst/>
@@ -411,23 +413,24 @@
         <p:txBody>
           <a:bodyPr lIns="0" rIns="0" tIns="0" bIns="0" anchor="ctr"/>
           <a:p>
-            <a:endParaRPr b="0" lang="fr-FR" sz="1800" spc="-1" strike="noStrike">
-              <a:solidFill>
-                <a:srgbClr val="000000"/>
-              </a:solidFill>
-              <a:uFill>
-                <a:solidFill>
-                  <a:srgbClr val="ffffff"/>
-                </a:solidFill>
-              </a:uFill>
-              <a:latin typeface="Calibri"/>
-            </a:endParaRPr>
-          </a:p>
-        </p:txBody>
-      </p:sp>
-      <p:sp>
-        <p:nvSpPr>
-          <p:cNvPr id="35" name="PlaceHolder 2"/>
+            <a:pPr algn="ctr"/>
+            <a:endParaRPr b="0" lang="en-US" sz="4400" spc="-1" strike="noStrike">
+              <a:solidFill>
+                <a:srgbClr val="000000"/>
+              </a:solidFill>
+              <a:uFill>
+                <a:solidFill>
+                  <a:srgbClr val="ffffff"/>
+                </a:solidFill>
+              </a:uFill>
+              <a:latin typeface="Arial"/>
+            </a:endParaRPr>
+          </a:p>
+        </p:txBody>
+      </p:sp>
+      <p:sp>
+        <p:nvSpPr>
+          <p:cNvPr id="32" name="PlaceHolder 2"/>
           <p:cNvSpPr>
             <a:spLocks noGrp="1"/>
           </p:cNvSpPr>
@@ -437,8 +440,8 @@
         </p:nvSpPr>
         <p:spPr>
           <a:xfrm>
-            <a:off x="838080" y="1825560"/>
-            <a:ext cx="10515240" cy="4350960"/>
+            <a:off x="609480" y="1604520"/>
+            <a:ext cx="10972440" cy="3977280"/>
           </a:xfrm>
           <a:prstGeom prst="rect">
             <a:avLst/>
@@ -447,23 +450,23 @@
         <p:txBody>
           <a:bodyPr lIns="0" rIns="0" tIns="0" bIns="0"/>
           <a:p>
-            <a:endParaRPr b="0" lang="fr-FR" sz="2800" spc="-1" strike="noStrike">
-              <a:solidFill>
-                <a:srgbClr val="000000"/>
-              </a:solidFill>
-              <a:uFill>
-                <a:solidFill>
-                  <a:srgbClr val="ffffff"/>
-                </a:solidFill>
-              </a:uFill>
-              <a:latin typeface="Calibri"/>
-            </a:endParaRPr>
-          </a:p>
-        </p:txBody>
-      </p:sp>
-      <p:sp>
-        <p:nvSpPr>
-          <p:cNvPr id="36" name="PlaceHolder 3"/>
+            <a:endParaRPr b="0" lang="en-US" sz="3200" spc="-1" strike="noStrike">
+              <a:solidFill>
+                <a:srgbClr val="000000"/>
+              </a:solidFill>
+              <a:uFill>
+                <a:solidFill>
+                  <a:srgbClr val="ffffff"/>
+                </a:solidFill>
+              </a:uFill>
+              <a:latin typeface="Arial"/>
+            </a:endParaRPr>
+          </a:p>
+        </p:txBody>
+      </p:sp>
+      <p:sp>
+        <p:nvSpPr>
+          <p:cNvPr id="33" name="PlaceHolder 3"/>
           <p:cNvSpPr>
             <a:spLocks noGrp="1"/>
           </p:cNvSpPr>
@@ -473,8 +476,8 @@
         </p:nvSpPr>
         <p:spPr>
           <a:xfrm>
-            <a:off x="838080" y="1825560"/>
-            <a:ext cx="10515240" cy="4350960"/>
+            <a:off x="609480" y="1604520"/>
+            <a:ext cx="10972440" cy="3977280"/>
           </a:xfrm>
           <a:prstGeom prst="rect">
             <a:avLst/>
@@ -483,23 +486,23 @@
         <p:txBody>
           <a:bodyPr lIns="0" rIns="0" tIns="0" bIns="0"/>
           <a:p>
-            <a:endParaRPr b="0" lang="fr-FR" sz="2800" spc="-1" strike="noStrike">
-              <a:solidFill>
-                <a:srgbClr val="000000"/>
-              </a:solidFill>
-              <a:uFill>
-                <a:solidFill>
-                  <a:srgbClr val="ffffff"/>
-                </a:solidFill>
-              </a:uFill>
-              <a:latin typeface="Calibri"/>
+            <a:endParaRPr b="0" lang="en-US" sz="3200" spc="-1" strike="noStrike">
+              <a:solidFill>
+                <a:srgbClr val="000000"/>
+              </a:solidFill>
+              <a:uFill>
+                <a:solidFill>
+                  <a:srgbClr val="ffffff"/>
+                </a:solidFill>
+              </a:uFill>
+              <a:latin typeface="Arial"/>
             </a:endParaRPr>
           </a:p>
         </p:txBody>
       </p:sp>
       <p:pic>
         <p:nvPicPr>
-          <p:cNvPr id="37" name="" descr=""/>
+          <p:cNvPr id="34" name="" descr=""/>
           <p:cNvPicPr/>
           <p:nvPr/>
         </p:nvPicPr>
@@ -509,8 +512,8 @@
         </p:blipFill>
         <p:spPr>
           <a:xfrm>
-            <a:off x="3368880" y="1825560"/>
-            <a:ext cx="5452920" cy="4350960"/>
+            <a:off x="3602880" y="1604520"/>
+            <a:ext cx="4984920" cy="3977280"/>
           </a:xfrm>
           <a:prstGeom prst="rect">
             <a:avLst/>
@@ -522,7 +525,7 @@
       </p:pic>
       <p:pic>
         <p:nvPicPr>
-          <p:cNvPr id="38" name="" descr=""/>
+          <p:cNvPr id="35" name="" descr=""/>
           <p:cNvPicPr/>
           <p:nvPr/>
         </p:nvPicPr>
@@ -532,8 +535,8 @@
         </p:blipFill>
         <p:spPr>
           <a:xfrm>
-            <a:off x="3368880" y="1825560"/>
-            <a:ext cx="5452920" cy="4350960"/>
+            <a:off x="3602880" y="1604520"/>
+            <a:ext cx="4984920" cy="3977280"/>
           </a:xfrm>
           <a:prstGeom prst="rect">
             <a:avLst/>
@@ -589,7 +592,7 @@
       </p:grpSpPr>
       <p:sp>
         <p:nvSpPr>
-          <p:cNvPr id="44" name="PlaceHolder 1"/>
+          <p:cNvPr id="38" name="PlaceHolder 1"/>
           <p:cNvSpPr>
             <a:spLocks noGrp="1"/>
           </p:cNvSpPr>
@@ -599,8 +602,8 @@
         </p:nvSpPr>
         <p:spPr>
           <a:xfrm>
-            <a:off x="838080" y="365040"/>
-            <a:ext cx="10515240" cy="1325160"/>
+            <a:off x="609480" y="273600"/>
+            <a:ext cx="10972440" cy="1144800"/>
           </a:xfrm>
           <a:prstGeom prst="rect">
             <a:avLst/>
@@ -609,23 +612,24 @@
         <p:txBody>
           <a:bodyPr lIns="0" rIns="0" tIns="0" bIns="0" anchor="ctr"/>
           <a:p>
-            <a:endParaRPr b="0" lang="fr-FR" sz="1800" spc="-1" strike="noStrike">
-              <a:solidFill>
-                <a:srgbClr val="000000"/>
-              </a:solidFill>
-              <a:uFill>
-                <a:solidFill>
-                  <a:srgbClr val="ffffff"/>
-                </a:solidFill>
-              </a:uFill>
-              <a:latin typeface="Calibri"/>
-            </a:endParaRPr>
-          </a:p>
-        </p:txBody>
-      </p:sp>
-      <p:sp>
-        <p:nvSpPr>
-          <p:cNvPr id="45" name="PlaceHolder 2"/>
+            <a:pPr algn="ctr"/>
+            <a:endParaRPr b="0" lang="en-US" sz="4400" spc="-1" strike="noStrike">
+              <a:solidFill>
+                <a:srgbClr val="000000"/>
+              </a:solidFill>
+              <a:uFill>
+                <a:solidFill>
+                  <a:srgbClr val="ffffff"/>
+                </a:solidFill>
+              </a:uFill>
+              <a:latin typeface="Arial"/>
+            </a:endParaRPr>
+          </a:p>
+        </p:txBody>
+      </p:sp>
+      <p:sp>
+        <p:nvSpPr>
+          <p:cNvPr id="39" name="PlaceHolder 2"/>
           <p:cNvSpPr>
             <a:spLocks noGrp="1"/>
           </p:cNvSpPr>
@@ -635,8 +639,8 @@
         </p:nvSpPr>
         <p:spPr>
           <a:xfrm>
-            <a:off x="838080" y="1825560"/>
-            <a:ext cx="10515240" cy="4350960"/>
+            <a:off x="609480" y="1604520"/>
+            <a:ext cx="10972440" cy="3977280"/>
           </a:xfrm>
           <a:prstGeom prst="rect">
             <a:avLst/>
@@ -684,7 +688,7 @@
       </p:grpSpPr>
       <p:sp>
         <p:nvSpPr>
-          <p:cNvPr id="46" name="PlaceHolder 1"/>
+          <p:cNvPr id="40" name="PlaceHolder 1"/>
           <p:cNvSpPr>
             <a:spLocks noGrp="1"/>
           </p:cNvSpPr>
@@ -694,8 +698,8 @@
         </p:nvSpPr>
         <p:spPr>
           <a:xfrm>
-            <a:off x="838080" y="365040"/>
-            <a:ext cx="10515240" cy="1325160"/>
+            <a:off x="609480" y="273600"/>
+            <a:ext cx="10972440" cy="1144800"/>
           </a:xfrm>
           <a:prstGeom prst="rect">
             <a:avLst/>
@@ -704,23 +708,24 @@
         <p:txBody>
           <a:bodyPr lIns="0" rIns="0" tIns="0" bIns="0" anchor="ctr"/>
           <a:p>
-            <a:endParaRPr b="0" lang="fr-FR" sz="1800" spc="-1" strike="noStrike">
-              <a:solidFill>
-                <a:srgbClr val="000000"/>
-              </a:solidFill>
-              <a:uFill>
-                <a:solidFill>
-                  <a:srgbClr val="ffffff"/>
-                </a:solidFill>
-              </a:uFill>
-              <a:latin typeface="Calibri"/>
-            </a:endParaRPr>
-          </a:p>
-        </p:txBody>
-      </p:sp>
-      <p:sp>
-        <p:nvSpPr>
-          <p:cNvPr id="47" name="PlaceHolder 2"/>
+            <a:pPr algn="ctr"/>
+            <a:endParaRPr b="0" lang="en-US" sz="4400" spc="-1" strike="noStrike">
+              <a:solidFill>
+                <a:srgbClr val="000000"/>
+              </a:solidFill>
+              <a:uFill>
+                <a:solidFill>
+                  <a:srgbClr val="ffffff"/>
+                </a:solidFill>
+              </a:uFill>
+              <a:latin typeface="Arial"/>
+            </a:endParaRPr>
+          </a:p>
+        </p:txBody>
+      </p:sp>
+      <p:sp>
+        <p:nvSpPr>
+          <p:cNvPr id="41" name="PlaceHolder 2"/>
           <p:cNvSpPr>
             <a:spLocks noGrp="1"/>
           </p:cNvSpPr>
@@ -730,8 +735,8 @@
         </p:nvSpPr>
         <p:spPr>
           <a:xfrm>
-            <a:off x="838080" y="1825560"/>
-            <a:ext cx="10515240" cy="4350960"/>
+            <a:off x="609480" y="1604520"/>
+            <a:ext cx="10972440" cy="3977280"/>
           </a:xfrm>
           <a:prstGeom prst="rect">
             <a:avLst/>
@@ -740,16 +745,16 @@
         <p:txBody>
           <a:bodyPr lIns="0" rIns="0" tIns="0" bIns="0"/>
           <a:p>
-            <a:endParaRPr b="0" lang="fr-FR" sz="2800" spc="-1" strike="noStrike">
-              <a:solidFill>
-                <a:srgbClr val="000000"/>
-              </a:solidFill>
-              <a:uFill>
-                <a:solidFill>
-                  <a:srgbClr val="ffffff"/>
-                </a:solidFill>
-              </a:uFill>
-              <a:latin typeface="Calibri"/>
+            <a:endParaRPr b="0" lang="en-US" sz="3200" spc="-1" strike="noStrike">
+              <a:solidFill>
+                <a:srgbClr val="000000"/>
+              </a:solidFill>
+              <a:uFill>
+                <a:solidFill>
+                  <a:srgbClr val="ffffff"/>
+                </a:solidFill>
+              </a:uFill>
+              <a:latin typeface="Arial"/>
             </a:endParaRPr>
           </a:p>
         </p:txBody>
@@ -778,7 +783,7 @@
       </p:grpSpPr>
       <p:sp>
         <p:nvSpPr>
-          <p:cNvPr id="48" name="PlaceHolder 1"/>
+          <p:cNvPr id="42" name="PlaceHolder 1"/>
           <p:cNvSpPr>
             <a:spLocks noGrp="1"/>
           </p:cNvSpPr>
@@ -788,8 +793,8 @@
         </p:nvSpPr>
         <p:spPr>
           <a:xfrm>
-            <a:off x="838080" y="365040"/>
-            <a:ext cx="10515240" cy="1325160"/>
+            <a:off x="609480" y="273600"/>
+            <a:ext cx="10972440" cy="1144800"/>
           </a:xfrm>
           <a:prstGeom prst="rect">
             <a:avLst/>
@@ -798,23 +803,24 @@
         <p:txBody>
           <a:bodyPr lIns="0" rIns="0" tIns="0" bIns="0" anchor="ctr"/>
           <a:p>
-            <a:endParaRPr b="0" lang="fr-FR" sz="1800" spc="-1" strike="noStrike">
-              <a:solidFill>
-                <a:srgbClr val="000000"/>
-              </a:solidFill>
-              <a:uFill>
-                <a:solidFill>
-                  <a:srgbClr val="ffffff"/>
-                </a:solidFill>
-              </a:uFill>
-              <a:latin typeface="Calibri"/>
-            </a:endParaRPr>
-          </a:p>
-        </p:txBody>
-      </p:sp>
-      <p:sp>
-        <p:nvSpPr>
-          <p:cNvPr id="49" name="PlaceHolder 2"/>
+            <a:pPr algn="ctr"/>
+            <a:endParaRPr b="0" lang="en-US" sz="4400" spc="-1" strike="noStrike">
+              <a:solidFill>
+                <a:srgbClr val="000000"/>
+              </a:solidFill>
+              <a:uFill>
+                <a:solidFill>
+                  <a:srgbClr val="ffffff"/>
+                </a:solidFill>
+              </a:uFill>
+              <a:latin typeface="Arial"/>
+            </a:endParaRPr>
+          </a:p>
+        </p:txBody>
+      </p:sp>
+      <p:sp>
+        <p:nvSpPr>
+          <p:cNvPr id="43" name="PlaceHolder 2"/>
           <p:cNvSpPr>
             <a:spLocks noGrp="1"/>
           </p:cNvSpPr>
@@ -824,8 +830,8 @@
         </p:nvSpPr>
         <p:spPr>
           <a:xfrm>
-            <a:off x="838080" y="1825560"/>
-            <a:ext cx="5131080" cy="4350960"/>
+            <a:off x="609480" y="1604520"/>
+            <a:ext cx="5354280" cy="3977280"/>
           </a:xfrm>
           <a:prstGeom prst="rect">
             <a:avLst/>
@@ -834,23 +840,23 @@
         <p:txBody>
           <a:bodyPr lIns="0" rIns="0" tIns="0" bIns="0"/>
           <a:p>
-            <a:endParaRPr b="0" lang="fr-FR" sz="2800" spc="-1" strike="noStrike">
-              <a:solidFill>
-                <a:srgbClr val="000000"/>
-              </a:solidFill>
-              <a:uFill>
-                <a:solidFill>
-                  <a:srgbClr val="ffffff"/>
-                </a:solidFill>
-              </a:uFill>
-              <a:latin typeface="Calibri"/>
-            </a:endParaRPr>
-          </a:p>
-        </p:txBody>
-      </p:sp>
-      <p:sp>
-        <p:nvSpPr>
-          <p:cNvPr id="50" name="PlaceHolder 3"/>
+            <a:endParaRPr b="0" lang="en-US" sz="3200" spc="-1" strike="noStrike">
+              <a:solidFill>
+                <a:srgbClr val="000000"/>
+              </a:solidFill>
+              <a:uFill>
+                <a:solidFill>
+                  <a:srgbClr val="ffffff"/>
+                </a:solidFill>
+              </a:uFill>
+              <a:latin typeface="Arial"/>
+            </a:endParaRPr>
+          </a:p>
+        </p:txBody>
+      </p:sp>
+      <p:sp>
+        <p:nvSpPr>
+          <p:cNvPr id="44" name="PlaceHolder 3"/>
           <p:cNvSpPr>
             <a:spLocks noGrp="1"/>
           </p:cNvSpPr>
@@ -860,8 +866,8 @@
         </p:nvSpPr>
         <p:spPr>
           <a:xfrm>
-            <a:off x="6226200" y="1825560"/>
-            <a:ext cx="5131080" cy="4350960"/>
+            <a:off x="6231960" y="1604520"/>
+            <a:ext cx="5354280" cy="3977280"/>
           </a:xfrm>
           <a:prstGeom prst="rect">
             <a:avLst/>
@@ -870,16 +876,16 @@
         <p:txBody>
           <a:bodyPr lIns="0" rIns="0" tIns="0" bIns="0"/>
           <a:p>
-            <a:endParaRPr b="0" lang="fr-FR" sz="2800" spc="-1" strike="noStrike">
-              <a:solidFill>
-                <a:srgbClr val="000000"/>
-              </a:solidFill>
-              <a:uFill>
-                <a:solidFill>
-                  <a:srgbClr val="ffffff"/>
-                </a:solidFill>
-              </a:uFill>
-              <a:latin typeface="Calibri"/>
+            <a:endParaRPr b="0" lang="en-US" sz="3200" spc="-1" strike="noStrike">
+              <a:solidFill>
+                <a:srgbClr val="000000"/>
+              </a:solidFill>
+              <a:uFill>
+                <a:solidFill>
+                  <a:srgbClr val="ffffff"/>
+                </a:solidFill>
+              </a:uFill>
+              <a:latin typeface="Arial"/>
             </a:endParaRPr>
           </a:p>
         </p:txBody>
@@ -908,7 +914,7 @@
       </p:grpSpPr>
       <p:sp>
         <p:nvSpPr>
-          <p:cNvPr id="51" name="PlaceHolder 1"/>
+          <p:cNvPr id="45" name="PlaceHolder 1"/>
           <p:cNvSpPr>
             <a:spLocks noGrp="1"/>
           </p:cNvSpPr>
@@ -918,8 +924,8 @@
         </p:nvSpPr>
         <p:spPr>
           <a:xfrm>
-            <a:off x="838080" y="365040"/>
-            <a:ext cx="10515240" cy="1325160"/>
+            <a:off x="609480" y="273600"/>
+            <a:ext cx="10972440" cy="1144800"/>
           </a:xfrm>
           <a:prstGeom prst="rect">
             <a:avLst/>
@@ -928,16 +934,17 @@
         <p:txBody>
           <a:bodyPr lIns="0" rIns="0" tIns="0" bIns="0" anchor="ctr"/>
           <a:p>
-            <a:endParaRPr b="0" lang="fr-FR" sz="1800" spc="-1" strike="noStrike">
-              <a:solidFill>
-                <a:srgbClr val="000000"/>
-              </a:solidFill>
-              <a:uFill>
-                <a:solidFill>
-                  <a:srgbClr val="ffffff"/>
-                </a:solidFill>
-              </a:uFill>
-              <a:latin typeface="Calibri"/>
+            <a:pPr algn="ctr"/>
+            <a:endParaRPr b="0" lang="en-US" sz="4400" spc="-1" strike="noStrike">
+              <a:solidFill>
+                <a:srgbClr val="000000"/>
+              </a:solidFill>
+              <a:uFill>
+                <a:solidFill>
+                  <a:srgbClr val="ffffff"/>
+                </a:solidFill>
+              </a:uFill>
+              <a:latin typeface="Arial"/>
             </a:endParaRPr>
           </a:p>
         </p:txBody>
@@ -966,7 +973,7 @@
       </p:grpSpPr>
       <p:sp>
         <p:nvSpPr>
-          <p:cNvPr id="52" name="PlaceHolder 1"/>
+          <p:cNvPr id="46" name="PlaceHolder 1"/>
           <p:cNvSpPr>
             <a:spLocks noGrp="1"/>
           </p:cNvSpPr>
@@ -976,8 +983,8 @@
         </p:nvSpPr>
         <p:spPr>
           <a:xfrm>
-            <a:off x="838080" y="365040"/>
-            <a:ext cx="10515240" cy="6144120"/>
+            <a:off x="609480" y="273600"/>
+            <a:ext cx="10972440" cy="5307840"/>
           </a:xfrm>
           <a:prstGeom prst="rect">
             <a:avLst/>
@@ -1025,7 +1032,7 @@
       </p:grpSpPr>
       <p:sp>
         <p:nvSpPr>
-          <p:cNvPr id="53" name="PlaceHolder 1"/>
+          <p:cNvPr id="47" name="PlaceHolder 1"/>
           <p:cNvSpPr>
             <a:spLocks noGrp="1"/>
           </p:cNvSpPr>
@@ -1035,8 +1042,8 @@
         </p:nvSpPr>
         <p:spPr>
           <a:xfrm>
-            <a:off x="838080" y="365040"/>
-            <a:ext cx="10515240" cy="1325160"/>
+            <a:off x="609480" y="273600"/>
+            <a:ext cx="10972440" cy="1144800"/>
           </a:xfrm>
           <a:prstGeom prst="rect">
             <a:avLst/>
@@ -1045,23 +1052,24 @@
         <p:txBody>
           <a:bodyPr lIns="0" rIns="0" tIns="0" bIns="0" anchor="ctr"/>
           <a:p>
-            <a:endParaRPr b="0" lang="fr-FR" sz="1800" spc="-1" strike="noStrike">
-              <a:solidFill>
-                <a:srgbClr val="000000"/>
-              </a:solidFill>
-              <a:uFill>
-                <a:solidFill>
-                  <a:srgbClr val="ffffff"/>
-                </a:solidFill>
-              </a:uFill>
-              <a:latin typeface="Calibri"/>
-            </a:endParaRPr>
-          </a:p>
-        </p:txBody>
-      </p:sp>
-      <p:sp>
-        <p:nvSpPr>
-          <p:cNvPr id="54" name="PlaceHolder 2"/>
+            <a:pPr algn="ctr"/>
+            <a:endParaRPr b="0" lang="en-US" sz="4400" spc="-1" strike="noStrike">
+              <a:solidFill>
+                <a:srgbClr val="000000"/>
+              </a:solidFill>
+              <a:uFill>
+                <a:solidFill>
+                  <a:srgbClr val="ffffff"/>
+                </a:solidFill>
+              </a:uFill>
+              <a:latin typeface="Arial"/>
+            </a:endParaRPr>
+          </a:p>
+        </p:txBody>
+      </p:sp>
+      <p:sp>
+        <p:nvSpPr>
+          <p:cNvPr id="48" name="PlaceHolder 2"/>
           <p:cNvSpPr>
             <a:spLocks noGrp="1"/>
           </p:cNvSpPr>
@@ -1071,8 +1079,8 @@
         </p:nvSpPr>
         <p:spPr>
           <a:xfrm>
-            <a:off x="838080" y="1825560"/>
-            <a:ext cx="5131080" cy="2075040"/>
+            <a:off x="609480" y="1604520"/>
+            <a:ext cx="5354280" cy="1896840"/>
           </a:xfrm>
           <a:prstGeom prst="rect">
             <a:avLst/>
@@ -1081,23 +1089,23 @@
         <p:txBody>
           <a:bodyPr lIns="0" rIns="0" tIns="0" bIns="0"/>
           <a:p>
-            <a:endParaRPr b="0" lang="fr-FR" sz="2800" spc="-1" strike="noStrike">
-              <a:solidFill>
-                <a:srgbClr val="000000"/>
-              </a:solidFill>
-              <a:uFill>
-                <a:solidFill>
-                  <a:srgbClr val="ffffff"/>
-                </a:solidFill>
-              </a:uFill>
-              <a:latin typeface="Calibri"/>
-            </a:endParaRPr>
-          </a:p>
-        </p:txBody>
-      </p:sp>
-      <p:sp>
-        <p:nvSpPr>
-          <p:cNvPr id="55" name="PlaceHolder 3"/>
+            <a:endParaRPr b="0" lang="en-US" sz="3200" spc="-1" strike="noStrike">
+              <a:solidFill>
+                <a:srgbClr val="000000"/>
+              </a:solidFill>
+              <a:uFill>
+                <a:solidFill>
+                  <a:srgbClr val="ffffff"/>
+                </a:solidFill>
+              </a:uFill>
+              <a:latin typeface="Arial"/>
+            </a:endParaRPr>
+          </a:p>
+        </p:txBody>
+      </p:sp>
+      <p:sp>
+        <p:nvSpPr>
+          <p:cNvPr id="49" name="PlaceHolder 3"/>
           <p:cNvSpPr>
             <a:spLocks noGrp="1"/>
           </p:cNvSpPr>
@@ -1107,8 +1115,8 @@
         </p:nvSpPr>
         <p:spPr>
           <a:xfrm>
-            <a:off x="838080" y="4098240"/>
-            <a:ext cx="5131080" cy="2075040"/>
+            <a:off x="609480" y="3682080"/>
+            <a:ext cx="5354280" cy="1896840"/>
           </a:xfrm>
           <a:prstGeom prst="rect">
             <a:avLst/>
@@ -1117,23 +1125,23 @@
         <p:txBody>
           <a:bodyPr lIns="0" rIns="0" tIns="0" bIns="0"/>
           <a:p>
-            <a:endParaRPr b="0" lang="fr-FR" sz="2800" spc="-1" strike="noStrike">
-              <a:solidFill>
-                <a:srgbClr val="000000"/>
-              </a:solidFill>
-              <a:uFill>
-                <a:solidFill>
-                  <a:srgbClr val="ffffff"/>
-                </a:solidFill>
-              </a:uFill>
-              <a:latin typeface="Calibri"/>
-            </a:endParaRPr>
-          </a:p>
-        </p:txBody>
-      </p:sp>
-      <p:sp>
-        <p:nvSpPr>
-          <p:cNvPr id="56" name="PlaceHolder 4"/>
+            <a:endParaRPr b="0" lang="en-US" sz="3200" spc="-1" strike="noStrike">
+              <a:solidFill>
+                <a:srgbClr val="000000"/>
+              </a:solidFill>
+              <a:uFill>
+                <a:solidFill>
+                  <a:srgbClr val="ffffff"/>
+                </a:solidFill>
+              </a:uFill>
+              <a:latin typeface="Arial"/>
+            </a:endParaRPr>
+          </a:p>
+        </p:txBody>
+      </p:sp>
+      <p:sp>
+        <p:nvSpPr>
+          <p:cNvPr id="50" name="PlaceHolder 4"/>
           <p:cNvSpPr>
             <a:spLocks noGrp="1"/>
           </p:cNvSpPr>
@@ -1143,8 +1151,8 @@
         </p:nvSpPr>
         <p:spPr>
           <a:xfrm>
-            <a:off x="6226200" y="1825560"/>
-            <a:ext cx="5131080" cy="4350960"/>
+            <a:off x="6231960" y="1604520"/>
+            <a:ext cx="5354280" cy="3977280"/>
           </a:xfrm>
           <a:prstGeom prst="rect">
             <a:avLst/>
@@ -1153,16 +1161,16 @@
         <p:txBody>
           <a:bodyPr lIns="0" rIns="0" tIns="0" bIns="0"/>
           <a:p>
-            <a:endParaRPr b="0" lang="fr-FR" sz="2800" spc="-1" strike="noStrike">
-              <a:solidFill>
-                <a:srgbClr val="000000"/>
-              </a:solidFill>
-              <a:uFill>
-                <a:solidFill>
-                  <a:srgbClr val="ffffff"/>
-                </a:solidFill>
-              </a:uFill>
-              <a:latin typeface="Calibri"/>
+            <a:endParaRPr b="0" lang="en-US" sz="3200" spc="-1" strike="noStrike">
+              <a:solidFill>
+                <a:srgbClr val="000000"/>
+              </a:solidFill>
+              <a:uFill>
+                <a:solidFill>
+                  <a:srgbClr val="ffffff"/>
+                </a:solidFill>
+              </a:uFill>
+              <a:latin typeface="Arial"/>
             </a:endParaRPr>
           </a:p>
         </p:txBody>
@@ -1191,7 +1199,7 @@
       </p:grpSpPr>
       <p:sp>
         <p:nvSpPr>
-          <p:cNvPr id="5" name="PlaceHolder 1"/>
+          <p:cNvPr id="2" name="PlaceHolder 1"/>
           <p:cNvSpPr>
             <a:spLocks noGrp="1"/>
           </p:cNvSpPr>
@@ -1201,8 +1209,8 @@
         </p:nvSpPr>
         <p:spPr>
           <a:xfrm>
-            <a:off x="838080" y="365040"/>
-            <a:ext cx="10515240" cy="1325160"/>
+            <a:off x="609480" y="273600"/>
+            <a:ext cx="10972440" cy="1144800"/>
           </a:xfrm>
           <a:prstGeom prst="rect">
             <a:avLst/>
@@ -1211,23 +1219,24 @@
         <p:txBody>
           <a:bodyPr lIns="0" rIns="0" tIns="0" bIns="0" anchor="ctr"/>
           <a:p>
-            <a:endParaRPr b="0" lang="fr-FR" sz="1800" spc="-1" strike="noStrike">
-              <a:solidFill>
-                <a:srgbClr val="000000"/>
-              </a:solidFill>
-              <a:uFill>
-                <a:solidFill>
-                  <a:srgbClr val="ffffff"/>
-                </a:solidFill>
-              </a:uFill>
-              <a:latin typeface="Calibri"/>
-            </a:endParaRPr>
-          </a:p>
-        </p:txBody>
-      </p:sp>
-      <p:sp>
-        <p:nvSpPr>
-          <p:cNvPr id="6" name="PlaceHolder 2"/>
+            <a:pPr algn="ctr"/>
+            <a:endParaRPr b="0" lang="en-US" sz="4400" spc="-1" strike="noStrike">
+              <a:solidFill>
+                <a:srgbClr val="000000"/>
+              </a:solidFill>
+              <a:uFill>
+                <a:solidFill>
+                  <a:srgbClr val="ffffff"/>
+                </a:solidFill>
+              </a:uFill>
+              <a:latin typeface="Arial"/>
+            </a:endParaRPr>
+          </a:p>
+        </p:txBody>
+      </p:sp>
+      <p:sp>
+        <p:nvSpPr>
+          <p:cNvPr id="3" name="PlaceHolder 2"/>
           <p:cNvSpPr>
             <a:spLocks noGrp="1"/>
           </p:cNvSpPr>
@@ -1237,8 +1246,8 @@
         </p:nvSpPr>
         <p:spPr>
           <a:xfrm>
-            <a:off x="838080" y="1825560"/>
-            <a:ext cx="10515240" cy="4350960"/>
+            <a:off x="609480" y="1604520"/>
+            <a:ext cx="10972440" cy="3977280"/>
           </a:xfrm>
           <a:prstGeom prst="rect">
             <a:avLst/>
@@ -1286,7 +1295,7 @@
       </p:grpSpPr>
       <p:sp>
         <p:nvSpPr>
-          <p:cNvPr id="57" name="PlaceHolder 1"/>
+          <p:cNvPr id="51" name="PlaceHolder 1"/>
           <p:cNvSpPr>
             <a:spLocks noGrp="1"/>
           </p:cNvSpPr>
@@ -1296,8 +1305,8 @@
         </p:nvSpPr>
         <p:spPr>
           <a:xfrm>
-            <a:off x="838080" y="365040"/>
-            <a:ext cx="10515240" cy="1325160"/>
+            <a:off x="609480" y="273600"/>
+            <a:ext cx="10972440" cy="1144800"/>
           </a:xfrm>
           <a:prstGeom prst="rect">
             <a:avLst/>
@@ -1306,23 +1315,24 @@
         <p:txBody>
           <a:bodyPr lIns="0" rIns="0" tIns="0" bIns="0" anchor="ctr"/>
           <a:p>
-            <a:endParaRPr b="0" lang="fr-FR" sz="1800" spc="-1" strike="noStrike">
-              <a:solidFill>
-                <a:srgbClr val="000000"/>
-              </a:solidFill>
-              <a:uFill>
-                <a:solidFill>
-                  <a:srgbClr val="ffffff"/>
-                </a:solidFill>
-              </a:uFill>
-              <a:latin typeface="Calibri"/>
-            </a:endParaRPr>
-          </a:p>
-        </p:txBody>
-      </p:sp>
-      <p:sp>
-        <p:nvSpPr>
-          <p:cNvPr id="58" name="PlaceHolder 2"/>
+            <a:pPr algn="ctr"/>
+            <a:endParaRPr b="0" lang="en-US" sz="4400" spc="-1" strike="noStrike">
+              <a:solidFill>
+                <a:srgbClr val="000000"/>
+              </a:solidFill>
+              <a:uFill>
+                <a:solidFill>
+                  <a:srgbClr val="ffffff"/>
+                </a:solidFill>
+              </a:uFill>
+              <a:latin typeface="Arial"/>
+            </a:endParaRPr>
+          </a:p>
+        </p:txBody>
+      </p:sp>
+      <p:sp>
+        <p:nvSpPr>
+          <p:cNvPr id="52" name="PlaceHolder 2"/>
           <p:cNvSpPr>
             <a:spLocks noGrp="1"/>
           </p:cNvSpPr>
@@ -1332,8 +1342,8 @@
         </p:nvSpPr>
         <p:spPr>
           <a:xfrm>
-            <a:off x="838080" y="1825560"/>
-            <a:ext cx="5131080" cy="4350960"/>
+            <a:off x="609480" y="1604520"/>
+            <a:ext cx="5354280" cy="3977280"/>
           </a:xfrm>
           <a:prstGeom prst="rect">
             <a:avLst/>
@@ -1342,23 +1352,23 @@
         <p:txBody>
           <a:bodyPr lIns="0" rIns="0" tIns="0" bIns="0"/>
           <a:p>
-            <a:endParaRPr b="0" lang="fr-FR" sz="2800" spc="-1" strike="noStrike">
-              <a:solidFill>
-                <a:srgbClr val="000000"/>
-              </a:solidFill>
-              <a:uFill>
-                <a:solidFill>
-                  <a:srgbClr val="ffffff"/>
-                </a:solidFill>
-              </a:uFill>
-              <a:latin typeface="Calibri"/>
-            </a:endParaRPr>
-          </a:p>
-        </p:txBody>
-      </p:sp>
-      <p:sp>
-        <p:nvSpPr>
-          <p:cNvPr id="59" name="PlaceHolder 3"/>
+            <a:endParaRPr b="0" lang="en-US" sz="3200" spc="-1" strike="noStrike">
+              <a:solidFill>
+                <a:srgbClr val="000000"/>
+              </a:solidFill>
+              <a:uFill>
+                <a:solidFill>
+                  <a:srgbClr val="ffffff"/>
+                </a:solidFill>
+              </a:uFill>
+              <a:latin typeface="Arial"/>
+            </a:endParaRPr>
+          </a:p>
+        </p:txBody>
+      </p:sp>
+      <p:sp>
+        <p:nvSpPr>
+          <p:cNvPr id="53" name="PlaceHolder 3"/>
           <p:cNvSpPr>
             <a:spLocks noGrp="1"/>
           </p:cNvSpPr>
@@ -1368,8 +1378,8 @@
         </p:nvSpPr>
         <p:spPr>
           <a:xfrm>
-            <a:off x="6226200" y="1825560"/>
-            <a:ext cx="5131080" cy="2075040"/>
+            <a:off x="6231960" y="1604520"/>
+            <a:ext cx="5354280" cy="1896840"/>
           </a:xfrm>
           <a:prstGeom prst="rect">
             <a:avLst/>
@@ -1378,23 +1388,23 @@
         <p:txBody>
           <a:bodyPr lIns="0" rIns="0" tIns="0" bIns="0"/>
           <a:p>
-            <a:endParaRPr b="0" lang="fr-FR" sz="2800" spc="-1" strike="noStrike">
-              <a:solidFill>
-                <a:srgbClr val="000000"/>
-              </a:solidFill>
-              <a:uFill>
-                <a:solidFill>
-                  <a:srgbClr val="ffffff"/>
-                </a:solidFill>
-              </a:uFill>
-              <a:latin typeface="Calibri"/>
-            </a:endParaRPr>
-          </a:p>
-        </p:txBody>
-      </p:sp>
-      <p:sp>
-        <p:nvSpPr>
-          <p:cNvPr id="60" name="PlaceHolder 4"/>
+            <a:endParaRPr b="0" lang="en-US" sz="3200" spc="-1" strike="noStrike">
+              <a:solidFill>
+                <a:srgbClr val="000000"/>
+              </a:solidFill>
+              <a:uFill>
+                <a:solidFill>
+                  <a:srgbClr val="ffffff"/>
+                </a:solidFill>
+              </a:uFill>
+              <a:latin typeface="Arial"/>
+            </a:endParaRPr>
+          </a:p>
+        </p:txBody>
+      </p:sp>
+      <p:sp>
+        <p:nvSpPr>
+          <p:cNvPr id="54" name="PlaceHolder 4"/>
           <p:cNvSpPr>
             <a:spLocks noGrp="1"/>
           </p:cNvSpPr>
@@ -1404,8 +1414,8 @@
         </p:nvSpPr>
         <p:spPr>
           <a:xfrm>
-            <a:off x="6226200" y="4098240"/>
-            <a:ext cx="5131080" cy="2075040"/>
+            <a:off x="6231960" y="3682080"/>
+            <a:ext cx="5354280" cy="1896840"/>
           </a:xfrm>
           <a:prstGeom prst="rect">
             <a:avLst/>
@@ -1414,16 +1424,16 @@
         <p:txBody>
           <a:bodyPr lIns="0" rIns="0" tIns="0" bIns="0"/>
           <a:p>
-            <a:endParaRPr b="0" lang="fr-FR" sz="2800" spc="-1" strike="noStrike">
-              <a:solidFill>
-                <a:srgbClr val="000000"/>
-              </a:solidFill>
-              <a:uFill>
-                <a:solidFill>
-                  <a:srgbClr val="ffffff"/>
-                </a:solidFill>
-              </a:uFill>
-              <a:latin typeface="Calibri"/>
+            <a:endParaRPr b="0" lang="en-US" sz="3200" spc="-1" strike="noStrike">
+              <a:solidFill>
+                <a:srgbClr val="000000"/>
+              </a:solidFill>
+              <a:uFill>
+                <a:solidFill>
+                  <a:srgbClr val="ffffff"/>
+                </a:solidFill>
+              </a:uFill>
+              <a:latin typeface="Arial"/>
             </a:endParaRPr>
           </a:p>
         </p:txBody>
@@ -1452,7 +1462,7 @@
       </p:grpSpPr>
       <p:sp>
         <p:nvSpPr>
-          <p:cNvPr id="61" name="PlaceHolder 1"/>
+          <p:cNvPr id="55" name="PlaceHolder 1"/>
           <p:cNvSpPr>
             <a:spLocks noGrp="1"/>
           </p:cNvSpPr>
@@ -1462,8 +1472,8 @@
         </p:nvSpPr>
         <p:spPr>
           <a:xfrm>
-            <a:off x="838080" y="365040"/>
-            <a:ext cx="10515240" cy="1325160"/>
+            <a:off x="609480" y="273600"/>
+            <a:ext cx="10972440" cy="1144800"/>
           </a:xfrm>
           <a:prstGeom prst="rect">
             <a:avLst/>
@@ -1472,23 +1482,24 @@
         <p:txBody>
           <a:bodyPr lIns="0" rIns="0" tIns="0" bIns="0" anchor="ctr"/>
           <a:p>
-            <a:endParaRPr b="0" lang="fr-FR" sz="1800" spc="-1" strike="noStrike">
-              <a:solidFill>
-                <a:srgbClr val="000000"/>
-              </a:solidFill>
-              <a:uFill>
-                <a:solidFill>
-                  <a:srgbClr val="ffffff"/>
-                </a:solidFill>
-              </a:uFill>
-              <a:latin typeface="Calibri"/>
-            </a:endParaRPr>
-          </a:p>
-        </p:txBody>
-      </p:sp>
-      <p:sp>
-        <p:nvSpPr>
-          <p:cNvPr id="62" name="PlaceHolder 2"/>
+            <a:pPr algn="ctr"/>
+            <a:endParaRPr b="0" lang="en-US" sz="4400" spc="-1" strike="noStrike">
+              <a:solidFill>
+                <a:srgbClr val="000000"/>
+              </a:solidFill>
+              <a:uFill>
+                <a:solidFill>
+                  <a:srgbClr val="ffffff"/>
+                </a:solidFill>
+              </a:uFill>
+              <a:latin typeface="Arial"/>
+            </a:endParaRPr>
+          </a:p>
+        </p:txBody>
+      </p:sp>
+      <p:sp>
+        <p:nvSpPr>
+          <p:cNvPr id="56" name="PlaceHolder 2"/>
           <p:cNvSpPr>
             <a:spLocks noGrp="1"/>
           </p:cNvSpPr>
@@ -1498,8 +1509,8 @@
         </p:nvSpPr>
         <p:spPr>
           <a:xfrm>
-            <a:off x="838080" y="1825560"/>
-            <a:ext cx="5131080" cy="2075040"/>
+            <a:off x="609480" y="1604520"/>
+            <a:ext cx="5354280" cy="1896840"/>
           </a:xfrm>
           <a:prstGeom prst="rect">
             <a:avLst/>
@@ -1508,23 +1519,23 @@
         <p:txBody>
           <a:bodyPr lIns="0" rIns="0" tIns="0" bIns="0"/>
           <a:p>
-            <a:endParaRPr b="0" lang="fr-FR" sz="2800" spc="-1" strike="noStrike">
-              <a:solidFill>
-                <a:srgbClr val="000000"/>
-              </a:solidFill>
-              <a:uFill>
-                <a:solidFill>
-                  <a:srgbClr val="ffffff"/>
-                </a:solidFill>
-              </a:uFill>
-              <a:latin typeface="Calibri"/>
-            </a:endParaRPr>
-          </a:p>
-        </p:txBody>
-      </p:sp>
-      <p:sp>
-        <p:nvSpPr>
-          <p:cNvPr id="63" name="PlaceHolder 3"/>
+            <a:endParaRPr b="0" lang="en-US" sz="3200" spc="-1" strike="noStrike">
+              <a:solidFill>
+                <a:srgbClr val="000000"/>
+              </a:solidFill>
+              <a:uFill>
+                <a:solidFill>
+                  <a:srgbClr val="ffffff"/>
+                </a:solidFill>
+              </a:uFill>
+              <a:latin typeface="Arial"/>
+            </a:endParaRPr>
+          </a:p>
+        </p:txBody>
+      </p:sp>
+      <p:sp>
+        <p:nvSpPr>
+          <p:cNvPr id="57" name="PlaceHolder 3"/>
           <p:cNvSpPr>
             <a:spLocks noGrp="1"/>
           </p:cNvSpPr>
@@ -1534,8 +1545,8 @@
         </p:nvSpPr>
         <p:spPr>
           <a:xfrm>
-            <a:off x="6226200" y="1825560"/>
-            <a:ext cx="5131080" cy="2075040"/>
+            <a:off x="6231960" y="1604520"/>
+            <a:ext cx="5354280" cy="1896840"/>
           </a:xfrm>
           <a:prstGeom prst="rect">
             <a:avLst/>
@@ -1544,23 +1555,23 @@
         <p:txBody>
           <a:bodyPr lIns="0" rIns="0" tIns="0" bIns="0"/>
           <a:p>
-            <a:endParaRPr b="0" lang="fr-FR" sz="2800" spc="-1" strike="noStrike">
-              <a:solidFill>
-                <a:srgbClr val="000000"/>
-              </a:solidFill>
-              <a:uFill>
-                <a:solidFill>
-                  <a:srgbClr val="ffffff"/>
-                </a:solidFill>
-              </a:uFill>
-              <a:latin typeface="Calibri"/>
-            </a:endParaRPr>
-          </a:p>
-        </p:txBody>
-      </p:sp>
-      <p:sp>
-        <p:nvSpPr>
-          <p:cNvPr id="64" name="PlaceHolder 4"/>
+            <a:endParaRPr b="0" lang="en-US" sz="3200" spc="-1" strike="noStrike">
+              <a:solidFill>
+                <a:srgbClr val="000000"/>
+              </a:solidFill>
+              <a:uFill>
+                <a:solidFill>
+                  <a:srgbClr val="ffffff"/>
+                </a:solidFill>
+              </a:uFill>
+              <a:latin typeface="Arial"/>
+            </a:endParaRPr>
+          </a:p>
+        </p:txBody>
+      </p:sp>
+      <p:sp>
+        <p:nvSpPr>
+          <p:cNvPr id="58" name="PlaceHolder 4"/>
           <p:cNvSpPr>
             <a:spLocks noGrp="1"/>
           </p:cNvSpPr>
@@ -1570,8 +1581,8 @@
         </p:nvSpPr>
         <p:spPr>
           <a:xfrm>
-            <a:off x="838080" y="4098240"/>
-            <a:ext cx="10515240" cy="2075040"/>
+            <a:off x="609480" y="3682080"/>
+            <a:ext cx="10972440" cy="1896840"/>
           </a:xfrm>
           <a:prstGeom prst="rect">
             <a:avLst/>
@@ -1580,16 +1591,16 @@
         <p:txBody>
           <a:bodyPr lIns="0" rIns="0" tIns="0" bIns="0"/>
           <a:p>
-            <a:endParaRPr b="0" lang="fr-FR" sz="2800" spc="-1" strike="noStrike">
-              <a:solidFill>
-                <a:srgbClr val="000000"/>
-              </a:solidFill>
-              <a:uFill>
-                <a:solidFill>
-                  <a:srgbClr val="ffffff"/>
-                </a:solidFill>
-              </a:uFill>
-              <a:latin typeface="Calibri"/>
+            <a:endParaRPr b="0" lang="en-US" sz="3200" spc="-1" strike="noStrike">
+              <a:solidFill>
+                <a:srgbClr val="000000"/>
+              </a:solidFill>
+              <a:uFill>
+                <a:solidFill>
+                  <a:srgbClr val="ffffff"/>
+                </a:solidFill>
+              </a:uFill>
+              <a:latin typeface="Arial"/>
             </a:endParaRPr>
           </a:p>
         </p:txBody>
@@ -1618,7 +1629,7 @@
       </p:grpSpPr>
       <p:sp>
         <p:nvSpPr>
-          <p:cNvPr id="65" name="PlaceHolder 1"/>
+          <p:cNvPr id="59" name="PlaceHolder 1"/>
           <p:cNvSpPr>
             <a:spLocks noGrp="1"/>
           </p:cNvSpPr>
@@ -1628,8 +1639,8 @@
         </p:nvSpPr>
         <p:spPr>
           <a:xfrm>
-            <a:off x="838080" y="365040"/>
-            <a:ext cx="10515240" cy="1325160"/>
+            <a:off x="609480" y="273600"/>
+            <a:ext cx="10972440" cy="1144800"/>
           </a:xfrm>
           <a:prstGeom prst="rect">
             <a:avLst/>
@@ -1638,23 +1649,24 @@
         <p:txBody>
           <a:bodyPr lIns="0" rIns="0" tIns="0" bIns="0" anchor="ctr"/>
           <a:p>
-            <a:endParaRPr b="0" lang="fr-FR" sz="1800" spc="-1" strike="noStrike">
-              <a:solidFill>
-                <a:srgbClr val="000000"/>
-              </a:solidFill>
-              <a:uFill>
-                <a:solidFill>
-                  <a:srgbClr val="ffffff"/>
-                </a:solidFill>
-              </a:uFill>
-              <a:latin typeface="Calibri"/>
-            </a:endParaRPr>
-          </a:p>
-        </p:txBody>
-      </p:sp>
-      <p:sp>
-        <p:nvSpPr>
-          <p:cNvPr id="66" name="PlaceHolder 2"/>
+            <a:pPr algn="ctr"/>
+            <a:endParaRPr b="0" lang="en-US" sz="4400" spc="-1" strike="noStrike">
+              <a:solidFill>
+                <a:srgbClr val="000000"/>
+              </a:solidFill>
+              <a:uFill>
+                <a:solidFill>
+                  <a:srgbClr val="ffffff"/>
+                </a:solidFill>
+              </a:uFill>
+              <a:latin typeface="Arial"/>
+            </a:endParaRPr>
+          </a:p>
+        </p:txBody>
+      </p:sp>
+      <p:sp>
+        <p:nvSpPr>
+          <p:cNvPr id="60" name="PlaceHolder 2"/>
           <p:cNvSpPr>
             <a:spLocks noGrp="1"/>
           </p:cNvSpPr>
@@ -1664,8 +1676,8 @@
         </p:nvSpPr>
         <p:spPr>
           <a:xfrm>
-            <a:off x="838080" y="1825560"/>
-            <a:ext cx="10515240" cy="2075040"/>
+            <a:off x="609480" y="1604520"/>
+            <a:ext cx="10972440" cy="1896840"/>
           </a:xfrm>
           <a:prstGeom prst="rect">
             <a:avLst/>
@@ -1674,23 +1686,23 @@
         <p:txBody>
           <a:bodyPr lIns="0" rIns="0" tIns="0" bIns="0"/>
           <a:p>
-            <a:endParaRPr b="0" lang="fr-FR" sz="2800" spc="-1" strike="noStrike">
-              <a:solidFill>
-                <a:srgbClr val="000000"/>
-              </a:solidFill>
-              <a:uFill>
-                <a:solidFill>
-                  <a:srgbClr val="ffffff"/>
-                </a:solidFill>
-              </a:uFill>
-              <a:latin typeface="Calibri"/>
-            </a:endParaRPr>
-          </a:p>
-        </p:txBody>
-      </p:sp>
-      <p:sp>
-        <p:nvSpPr>
-          <p:cNvPr id="67" name="PlaceHolder 3"/>
+            <a:endParaRPr b="0" lang="en-US" sz="3200" spc="-1" strike="noStrike">
+              <a:solidFill>
+                <a:srgbClr val="000000"/>
+              </a:solidFill>
+              <a:uFill>
+                <a:solidFill>
+                  <a:srgbClr val="ffffff"/>
+                </a:solidFill>
+              </a:uFill>
+              <a:latin typeface="Arial"/>
+            </a:endParaRPr>
+          </a:p>
+        </p:txBody>
+      </p:sp>
+      <p:sp>
+        <p:nvSpPr>
+          <p:cNvPr id="61" name="PlaceHolder 3"/>
           <p:cNvSpPr>
             <a:spLocks noGrp="1"/>
           </p:cNvSpPr>
@@ -1700,8 +1712,8 @@
         </p:nvSpPr>
         <p:spPr>
           <a:xfrm>
-            <a:off x="838080" y="4098240"/>
-            <a:ext cx="10515240" cy="2075040"/>
+            <a:off x="609480" y="3682080"/>
+            <a:ext cx="10972440" cy="1896840"/>
           </a:xfrm>
           <a:prstGeom prst="rect">
             <a:avLst/>
@@ -1710,16 +1722,16 @@
         <p:txBody>
           <a:bodyPr lIns="0" rIns="0" tIns="0" bIns="0"/>
           <a:p>
-            <a:endParaRPr b="0" lang="fr-FR" sz="2800" spc="-1" strike="noStrike">
-              <a:solidFill>
-                <a:srgbClr val="000000"/>
-              </a:solidFill>
-              <a:uFill>
-                <a:solidFill>
-                  <a:srgbClr val="ffffff"/>
-                </a:solidFill>
-              </a:uFill>
-              <a:latin typeface="Calibri"/>
+            <a:endParaRPr b="0" lang="en-US" sz="3200" spc="-1" strike="noStrike">
+              <a:solidFill>
+                <a:srgbClr val="000000"/>
+              </a:solidFill>
+              <a:uFill>
+                <a:solidFill>
+                  <a:srgbClr val="ffffff"/>
+                </a:solidFill>
+              </a:uFill>
+              <a:latin typeface="Arial"/>
             </a:endParaRPr>
           </a:p>
         </p:txBody>
@@ -1748,7 +1760,7 @@
       </p:grpSpPr>
       <p:sp>
         <p:nvSpPr>
-          <p:cNvPr id="68" name="PlaceHolder 1"/>
+          <p:cNvPr id="62" name="PlaceHolder 1"/>
           <p:cNvSpPr>
             <a:spLocks noGrp="1"/>
           </p:cNvSpPr>
@@ -1758,8 +1770,8 @@
         </p:nvSpPr>
         <p:spPr>
           <a:xfrm>
-            <a:off x="838080" y="365040"/>
-            <a:ext cx="10515240" cy="1325160"/>
+            <a:off x="609480" y="273600"/>
+            <a:ext cx="10972440" cy="1144800"/>
           </a:xfrm>
           <a:prstGeom prst="rect">
             <a:avLst/>
@@ -1768,23 +1780,24 @@
         <p:txBody>
           <a:bodyPr lIns="0" rIns="0" tIns="0" bIns="0" anchor="ctr"/>
           <a:p>
-            <a:endParaRPr b="0" lang="fr-FR" sz="1800" spc="-1" strike="noStrike">
-              <a:solidFill>
-                <a:srgbClr val="000000"/>
-              </a:solidFill>
-              <a:uFill>
-                <a:solidFill>
-                  <a:srgbClr val="ffffff"/>
-                </a:solidFill>
-              </a:uFill>
-              <a:latin typeface="Calibri"/>
-            </a:endParaRPr>
-          </a:p>
-        </p:txBody>
-      </p:sp>
-      <p:sp>
-        <p:nvSpPr>
-          <p:cNvPr id="69" name="PlaceHolder 2"/>
+            <a:pPr algn="ctr"/>
+            <a:endParaRPr b="0" lang="en-US" sz="4400" spc="-1" strike="noStrike">
+              <a:solidFill>
+                <a:srgbClr val="000000"/>
+              </a:solidFill>
+              <a:uFill>
+                <a:solidFill>
+                  <a:srgbClr val="ffffff"/>
+                </a:solidFill>
+              </a:uFill>
+              <a:latin typeface="Arial"/>
+            </a:endParaRPr>
+          </a:p>
+        </p:txBody>
+      </p:sp>
+      <p:sp>
+        <p:nvSpPr>
+          <p:cNvPr id="63" name="PlaceHolder 2"/>
           <p:cNvSpPr>
             <a:spLocks noGrp="1"/>
           </p:cNvSpPr>
@@ -1794,8 +1807,8 @@
         </p:nvSpPr>
         <p:spPr>
           <a:xfrm>
-            <a:off x="838080" y="1825560"/>
-            <a:ext cx="5131080" cy="2075040"/>
+            <a:off x="609480" y="1604520"/>
+            <a:ext cx="5354280" cy="1896840"/>
           </a:xfrm>
           <a:prstGeom prst="rect">
             <a:avLst/>
@@ -1804,23 +1817,23 @@
         <p:txBody>
           <a:bodyPr lIns="0" rIns="0" tIns="0" bIns="0"/>
           <a:p>
-            <a:endParaRPr b="0" lang="fr-FR" sz="2800" spc="-1" strike="noStrike">
-              <a:solidFill>
-                <a:srgbClr val="000000"/>
-              </a:solidFill>
-              <a:uFill>
-                <a:solidFill>
-                  <a:srgbClr val="ffffff"/>
-                </a:solidFill>
-              </a:uFill>
-              <a:latin typeface="Calibri"/>
-            </a:endParaRPr>
-          </a:p>
-        </p:txBody>
-      </p:sp>
-      <p:sp>
-        <p:nvSpPr>
-          <p:cNvPr id="70" name="PlaceHolder 3"/>
+            <a:endParaRPr b="0" lang="en-US" sz="3200" spc="-1" strike="noStrike">
+              <a:solidFill>
+                <a:srgbClr val="000000"/>
+              </a:solidFill>
+              <a:uFill>
+                <a:solidFill>
+                  <a:srgbClr val="ffffff"/>
+                </a:solidFill>
+              </a:uFill>
+              <a:latin typeface="Arial"/>
+            </a:endParaRPr>
+          </a:p>
+        </p:txBody>
+      </p:sp>
+      <p:sp>
+        <p:nvSpPr>
+          <p:cNvPr id="64" name="PlaceHolder 3"/>
           <p:cNvSpPr>
             <a:spLocks noGrp="1"/>
           </p:cNvSpPr>
@@ -1830,8 +1843,8 @@
         </p:nvSpPr>
         <p:spPr>
           <a:xfrm>
-            <a:off x="6226200" y="1825560"/>
-            <a:ext cx="5131080" cy="2075040"/>
+            <a:off x="6231960" y="1604520"/>
+            <a:ext cx="5354280" cy="1896840"/>
           </a:xfrm>
           <a:prstGeom prst="rect">
             <a:avLst/>
@@ -1840,23 +1853,23 @@
         <p:txBody>
           <a:bodyPr lIns="0" rIns="0" tIns="0" bIns="0"/>
           <a:p>
-            <a:endParaRPr b="0" lang="fr-FR" sz="2800" spc="-1" strike="noStrike">
-              <a:solidFill>
-                <a:srgbClr val="000000"/>
-              </a:solidFill>
-              <a:uFill>
-                <a:solidFill>
-                  <a:srgbClr val="ffffff"/>
-                </a:solidFill>
-              </a:uFill>
-              <a:latin typeface="Calibri"/>
-            </a:endParaRPr>
-          </a:p>
-        </p:txBody>
-      </p:sp>
-      <p:sp>
-        <p:nvSpPr>
-          <p:cNvPr id="71" name="PlaceHolder 4"/>
+            <a:endParaRPr b="0" lang="en-US" sz="3200" spc="-1" strike="noStrike">
+              <a:solidFill>
+                <a:srgbClr val="000000"/>
+              </a:solidFill>
+              <a:uFill>
+                <a:solidFill>
+                  <a:srgbClr val="ffffff"/>
+                </a:solidFill>
+              </a:uFill>
+              <a:latin typeface="Arial"/>
+            </a:endParaRPr>
+          </a:p>
+        </p:txBody>
+      </p:sp>
+      <p:sp>
+        <p:nvSpPr>
+          <p:cNvPr id="65" name="PlaceHolder 4"/>
           <p:cNvSpPr>
             <a:spLocks noGrp="1"/>
           </p:cNvSpPr>
@@ -1866,8 +1879,8 @@
         </p:nvSpPr>
         <p:spPr>
           <a:xfrm>
-            <a:off x="6226200" y="4098240"/>
-            <a:ext cx="5131080" cy="2075040"/>
+            <a:off x="6231960" y="3682080"/>
+            <a:ext cx="5354280" cy="1896840"/>
           </a:xfrm>
           <a:prstGeom prst="rect">
             <a:avLst/>
@@ -1876,23 +1889,23 @@
         <p:txBody>
           <a:bodyPr lIns="0" rIns="0" tIns="0" bIns="0"/>
           <a:p>
-            <a:endParaRPr b="0" lang="fr-FR" sz="2800" spc="-1" strike="noStrike">
-              <a:solidFill>
-                <a:srgbClr val="000000"/>
-              </a:solidFill>
-              <a:uFill>
-                <a:solidFill>
-                  <a:srgbClr val="ffffff"/>
-                </a:solidFill>
-              </a:uFill>
-              <a:latin typeface="Calibri"/>
-            </a:endParaRPr>
-          </a:p>
-        </p:txBody>
-      </p:sp>
-      <p:sp>
-        <p:nvSpPr>
-          <p:cNvPr id="72" name="PlaceHolder 5"/>
+            <a:endParaRPr b="0" lang="en-US" sz="3200" spc="-1" strike="noStrike">
+              <a:solidFill>
+                <a:srgbClr val="000000"/>
+              </a:solidFill>
+              <a:uFill>
+                <a:solidFill>
+                  <a:srgbClr val="ffffff"/>
+                </a:solidFill>
+              </a:uFill>
+              <a:latin typeface="Arial"/>
+            </a:endParaRPr>
+          </a:p>
+        </p:txBody>
+      </p:sp>
+      <p:sp>
+        <p:nvSpPr>
+          <p:cNvPr id="66" name="PlaceHolder 5"/>
           <p:cNvSpPr>
             <a:spLocks noGrp="1"/>
           </p:cNvSpPr>
@@ -1902,8 +1915,8 @@
         </p:nvSpPr>
         <p:spPr>
           <a:xfrm>
-            <a:off x="838080" y="4098240"/>
-            <a:ext cx="5131080" cy="2075040"/>
+            <a:off x="609480" y="3682080"/>
+            <a:ext cx="5354280" cy="1896840"/>
           </a:xfrm>
           <a:prstGeom prst="rect">
             <a:avLst/>
@@ -1912,16 +1925,16 @@
         <p:txBody>
           <a:bodyPr lIns="0" rIns="0" tIns="0" bIns="0"/>
           <a:p>
-            <a:endParaRPr b="0" lang="fr-FR" sz="2800" spc="-1" strike="noStrike">
-              <a:solidFill>
-                <a:srgbClr val="000000"/>
-              </a:solidFill>
-              <a:uFill>
-                <a:solidFill>
-                  <a:srgbClr val="ffffff"/>
-                </a:solidFill>
-              </a:uFill>
-              <a:latin typeface="Calibri"/>
+            <a:endParaRPr b="0" lang="en-US" sz="3200" spc="-1" strike="noStrike">
+              <a:solidFill>
+                <a:srgbClr val="000000"/>
+              </a:solidFill>
+              <a:uFill>
+                <a:solidFill>
+                  <a:srgbClr val="ffffff"/>
+                </a:solidFill>
+              </a:uFill>
+              <a:latin typeface="Arial"/>
             </a:endParaRPr>
           </a:p>
         </p:txBody>
@@ -1950,7 +1963,7 @@
       </p:grpSpPr>
       <p:sp>
         <p:nvSpPr>
-          <p:cNvPr id="73" name="PlaceHolder 1"/>
+          <p:cNvPr id="67" name="PlaceHolder 1"/>
           <p:cNvSpPr>
             <a:spLocks noGrp="1"/>
           </p:cNvSpPr>
@@ -1960,8 +1973,8 @@
         </p:nvSpPr>
         <p:spPr>
           <a:xfrm>
-            <a:off x="838080" y="365040"/>
-            <a:ext cx="10515240" cy="1325160"/>
+            <a:off x="609480" y="273600"/>
+            <a:ext cx="10972440" cy="1144800"/>
           </a:xfrm>
           <a:prstGeom prst="rect">
             <a:avLst/>
@@ -1970,23 +1983,24 @@
         <p:txBody>
           <a:bodyPr lIns="0" rIns="0" tIns="0" bIns="0" anchor="ctr"/>
           <a:p>
-            <a:endParaRPr b="0" lang="fr-FR" sz="1800" spc="-1" strike="noStrike">
-              <a:solidFill>
-                <a:srgbClr val="000000"/>
-              </a:solidFill>
-              <a:uFill>
-                <a:solidFill>
-                  <a:srgbClr val="ffffff"/>
-                </a:solidFill>
-              </a:uFill>
-              <a:latin typeface="Calibri"/>
-            </a:endParaRPr>
-          </a:p>
-        </p:txBody>
-      </p:sp>
-      <p:sp>
-        <p:nvSpPr>
-          <p:cNvPr id="74" name="PlaceHolder 2"/>
+            <a:pPr algn="ctr"/>
+            <a:endParaRPr b="0" lang="en-US" sz="4400" spc="-1" strike="noStrike">
+              <a:solidFill>
+                <a:srgbClr val="000000"/>
+              </a:solidFill>
+              <a:uFill>
+                <a:solidFill>
+                  <a:srgbClr val="ffffff"/>
+                </a:solidFill>
+              </a:uFill>
+              <a:latin typeface="Arial"/>
+            </a:endParaRPr>
+          </a:p>
+        </p:txBody>
+      </p:sp>
+      <p:sp>
+        <p:nvSpPr>
+          <p:cNvPr id="68" name="PlaceHolder 2"/>
           <p:cNvSpPr>
             <a:spLocks noGrp="1"/>
           </p:cNvSpPr>
@@ -1996,8 +2010,8 @@
         </p:nvSpPr>
         <p:spPr>
           <a:xfrm>
-            <a:off x="838080" y="1825560"/>
-            <a:ext cx="10515240" cy="4350960"/>
+            <a:off x="609480" y="1604520"/>
+            <a:ext cx="10972440" cy="3977280"/>
           </a:xfrm>
           <a:prstGeom prst="rect">
             <a:avLst/>
@@ -2006,23 +2020,23 @@
         <p:txBody>
           <a:bodyPr lIns="0" rIns="0" tIns="0" bIns="0"/>
           <a:p>
-            <a:endParaRPr b="0" lang="fr-FR" sz="2800" spc="-1" strike="noStrike">
-              <a:solidFill>
-                <a:srgbClr val="000000"/>
-              </a:solidFill>
-              <a:uFill>
-                <a:solidFill>
-                  <a:srgbClr val="ffffff"/>
-                </a:solidFill>
-              </a:uFill>
-              <a:latin typeface="Calibri"/>
-            </a:endParaRPr>
-          </a:p>
-        </p:txBody>
-      </p:sp>
-      <p:sp>
-        <p:nvSpPr>
-          <p:cNvPr id="75" name="PlaceHolder 3"/>
+            <a:endParaRPr b="0" lang="en-US" sz="3200" spc="-1" strike="noStrike">
+              <a:solidFill>
+                <a:srgbClr val="000000"/>
+              </a:solidFill>
+              <a:uFill>
+                <a:solidFill>
+                  <a:srgbClr val="ffffff"/>
+                </a:solidFill>
+              </a:uFill>
+              <a:latin typeface="Arial"/>
+            </a:endParaRPr>
+          </a:p>
+        </p:txBody>
+      </p:sp>
+      <p:sp>
+        <p:nvSpPr>
+          <p:cNvPr id="69" name="PlaceHolder 3"/>
           <p:cNvSpPr>
             <a:spLocks noGrp="1"/>
           </p:cNvSpPr>
@@ -2032,8 +2046,8 @@
         </p:nvSpPr>
         <p:spPr>
           <a:xfrm>
-            <a:off x="838080" y="1825560"/>
-            <a:ext cx="10515240" cy="4350960"/>
+            <a:off x="609480" y="1604520"/>
+            <a:ext cx="10972440" cy="3977280"/>
           </a:xfrm>
           <a:prstGeom prst="rect">
             <a:avLst/>
@@ -2042,23 +2056,23 @@
         <p:txBody>
           <a:bodyPr lIns="0" rIns="0" tIns="0" bIns="0"/>
           <a:p>
-            <a:endParaRPr b="0" lang="fr-FR" sz="2800" spc="-1" strike="noStrike">
-              <a:solidFill>
-                <a:srgbClr val="000000"/>
-              </a:solidFill>
-              <a:uFill>
-                <a:solidFill>
-                  <a:srgbClr val="ffffff"/>
-                </a:solidFill>
-              </a:uFill>
-              <a:latin typeface="Calibri"/>
+            <a:endParaRPr b="0" lang="en-US" sz="3200" spc="-1" strike="noStrike">
+              <a:solidFill>
+                <a:srgbClr val="000000"/>
+              </a:solidFill>
+              <a:uFill>
+                <a:solidFill>
+                  <a:srgbClr val="ffffff"/>
+                </a:solidFill>
+              </a:uFill>
+              <a:latin typeface="Arial"/>
             </a:endParaRPr>
           </a:p>
         </p:txBody>
       </p:sp>
       <p:pic>
         <p:nvPicPr>
-          <p:cNvPr id="76" name="" descr=""/>
+          <p:cNvPr id="70" name="" descr=""/>
           <p:cNvPicPr/>
           <p:nvPr/>
         </p:nvPicPr>
@@ -2068,8 +2082,8 @@
         </p:blipFill>
         <p:spPr>
           <a:xfrm>
-            <a:off x="3368880" y="1825560"/>
-            <a:ext cx="5452920" cy="4350960"/>
+            <a:off x="3602880" y="1604520"/>
+            <a:ext cx="4984920" cy="3977280"/>
           </a:xfrm>
           <a:prstGeom prst="rect">
             <a:avLst/>
@@ -2081,7 +2095,7 @@
       </p:pic>
       <p:pic>
         <p:nvPicPr>
-          <p:cNvPr id="77" name="" descr=""/>
+          <p:cNvPr id="71" name="" descr=""/>
           <p:cNvPicPr/>
           <p:nvPr/>
         </p:nvPicPr>
@@ -2091,8 +2105,8 @@
         </p:blipFill>
         <p:spPr>
           <a:xfrm>
-            <a:off x="3368880" y="1825560"/>
-            <a:ext cx="5452920" cy="4350960"/>
+            <a:off x="3602880" y="1604520"/>
+            <a:ext cx="4984920" cy="3977280"/>
           </a:xfrm>
           <a:prstGeom prst="rect">
             <a:avLst/>
@@ -2126,7 +2140,7 @@
       </p:grpSpPr>
       <p:sp>
         <p:nvSpPr>
-          <p:cNvPr id="7" name="PlaceHolder 1"/>
+          <p:cNvPr id="4" name="PlaceHolder 1"/>
           <p:cNvSpPr>
             <a:spLocks noGrp="1"/>
           </p:cNvSpPr>
@@ -2136,8 +2150,8 @@
         </p:nvSpPr>
         <p:spPr>
           <a:xfrm>
-            <a:off x="838080" y="365040"/>
-            <a:ext cx="10515240" cy="1325160"/>
+            <a:off x="609480" y="273600"/>
+            <a:ext cx="10972440" cy="1144800"/>
           </a:xfrm>
           <a:prstGeom prst="rect">
             <a:avLst/>
@@ -2146,23 +2160,24 @@
         <p:txBody>
           <a:bodyPr lIns="0" rIns="0" tIns="0" bIns="0" anchor="ctr"/>
           <a:p>
-            <a:endParaRPr b="0" lang="fr-FR" sz="1800" spc="-1" strike="noStrike">
-              <a:solidFill>
-                <a:srgbClr val="000000"/>
-              </a:solidFill>
-              <a:uFill>
-                <a:solidFill>
-                  <a:srgbClr val="ffffff"/>
-                </a:solidFill>
-              </a:uFill>
-              <a:latin typeface="Calibri"/>
-            </a:endParaRPr>
-          </a:p>
-        </p:txBody>
-      </p:sp>
-      <p:sp>
-        <p:nvSpPr>
-          <p:cNvPr id="8" name="PlaceHolder 2"/>
+            <a:pPr algn="ctr"/>
+            <a:endParaRPr b="0" lang="en-US" sz="4400" spc="-1" strike="noStrike">
+              <a:solidFill>
+                <a:srgbClr val="000000"/>
+              </a:solidFill>
+              <a:uFill>
+                <a:solidFill>
+                  <a:srgbClr val="ffffff"/>
+                </a:solidFill>
+              </a:uFill>
+              <a:latin typeface="Arial"/>
+            </a:endParaRPr>
+          </a:p>
+        </p:txBody>
+      </p:sp>
+      <p:sp>
+        <p:nvSpPr>
+          <p:cNvPr id="5" name="PlaceHolder 2"/>
           <p:cNvSpPr>
             <a:spLocks noGrp="1"/>
           </p:cNvSpPr>
@@ -2172,8 +2187,8 @@
         </p:nvSpPr>
         <p:spPr>
           <a:xfrm>
-            <a:off x="838080" y="1825560"/>
-            <a:ext cx="10515240" cy="4350960"/>
+            <a:off x="609480" y="1604520"/>
+            <a:ext cx="10972440" cy="3977280"/>
           </a:xfrm>
           <a:prstGeom prst="rect">
             <a:avLst/>
@@ -2182,16 +2197,16 @@
         <p:txBody>
           <a:bodyPr lIns="0" rIns="0" tIns="0" bIns="0"/>
           <a:p>
-            <a:endParaRPr b="0" lang="fr-FR" sz="2800" spc="-1" strike="noStrike">
-              <a:solidFill>
-                <a:srgbClr val="000000"/>
-              </a:solidFill>
-              <a:uFill>
-                <a:solidFill>
-                  <a:srgbClr val="ffffff"/>
-                </a:solidFill>
-              </a:uFill>
-              <a:latin typeface="Calibri"/>
+            <a:endParaRPr b="0" lang="en-US" sz="3200" spc="-1" strike="noStrike">
+              <a:solidFill>
+                <a:srgbClr val="000000"/>
+              </a:solidFill>
+              <a:uFill>
+                <a:solidFill>
+                  <a:srgbClr val="ffffff"/>
+                </a:solidFill>
+              </a:uFill>
+              <a:latin typeface="Arial"/>
             </a:endParaRPr>
           </a:p>
         </p:txBody>
@@ -2220,7 +2235,7 @@
       </p:grpSpPr>
       <p:sp>
         <p:nvSpPr>
-          <p:cNvPr id="9" name="PlaceHolder 1"/>
+          <p:cNvPr id="6" name="PlaceHolder 1"/>
           <p:cNvSpPr>
             <a:spLocks noGrp="1"/>
           </p:cNvSpPr>
@@ -2230,8 +2245,8 @@
         </p:nvSpPr>
         <p:spPr>
           <a:xfrm>
-            <a:off x="838080" y="365040"/>
-            <a:ext cx="10515240" cy="1325160"/>
+            <a:off x="609480" y="273600"/>
+            <a:ext cx="10972440" cy="1144800"/>
           </a:xfrm>
           <a:prstGeom prst="rect">
             <a:avLst/>
@@ -2240,23 +2255,24 @@
         <p:txBody>
           <a:bodyPr lIns="0" rIns="0" tIns="0" bIns="0" anchor="ctr"/>
           <a:p>
-            <a:endParaRPr b="0" lang="fr-FR" sz="1800" spc="-1" strike="noStrike">
-              <a:solidFill>
-                <a:srgbClr val="000000"/>
-              </a:solidFill>
-              <a:uFill>
-                <a:solidFill>
-                  <a:srgbClr val="ffffff"/>
-                </a:solidFill>
-              </a:uFill>
-              <a:latin typeface="Calibri"/>
-            </a:endParaRPr>
-          </a:p>
-        </p:txBody>
-      </p:sp>
-      <p:sp>
-        <p:nvSpPr>
-          <p:cNvPr id="10" name="PlaceHolder 2"/>
+            <a:pPr algn="ctr"/>
+            <a:endParaRPr b="0" lang="en-US" sz="4400" spc="-1" strike="noStrike">
+              <a:solidFill>
+                <a:srgbClr val="000000"/>
+              </a:solidFill>
+              <a:uFill>
+                <a:solidFill>
+                  <a:srgbClr val="ffffff"/>
+                </a:solidFill>
+              </a:uFill>
+              <a:latin typeface="Arial"/>
+            </a:endParaRPr>
+          </a:p>
+        </p:txBody>
+      </p:sp>
+      <p:sp>
+        <p:nvSpPr>
+          <p:cNvPr id="7" name="PlaceHolder 2"/>
           <p:cNvSpPr>
             <a:spLocks noGrp="1"/>
           </p:cNvSpPr>
@@ -2266,8 +2282,8 @@
         </p:nvSpPr>
         <p:spPr>
           <a:xfrm>
-            <a:off x="838080" y="1825560"/>
-            <a:ext cx="5131080" cy="4350960"/>
+            <a:off x="609480" y="1604520"/>
+            <a:ext cx="5354280" cy="3977280"/>
           </a:xfrm>
           <a:prstGeom prst="rect">
             <a:avLst/>
@@ -2276,23 +2292,23 @@
         <p:txBody>
           <a:bodyPr lIns="0" rIns="0" tIns="0" bIns="0"/>
           <a:p>
-            <a:endParaRPr b="0" lang="fr-FR" sz="2800" spc="-1" strike="noStrike">
-              <a:solidFill>
-                <a:srgbClr val="000000"/>
-              </a:solidFill>
-              <a:uFill>
-                <a:solidFill>
-                  <a:srgbClr val="ffffff"/>
-                </a:solidFill>
-              </a:uFill>
-              <a:latin typeface="Calibri"/>
-            </a:endParaRPr>
-          </a:p>
-        </p:txBody>
-      </p:sp>
-      <p:sp>
-        <p:nvSpPr>
-          <p:cNvPr id="11" name="PlaceHolder 3"/>
+            <a:endParaRPr b="0" lang="en-US" sz="3200" spc="-1" strike="noStrike">
+              <a:solidFill>
+                <a:srgbClr val="000000"/>
+              </a:solidFill>
+              <a:uFill>
+                <a:solidFill>
+                  <a:srgbClr val="ffffff"/>
+                </a:solidFill>
+              </a:uFill>
+              <a:latin typeface="Arial"/>
+            </a:endParaRPr>
+          </a:p>
+        </p:txBody>
+      </p:sp>
+      <p:sp>
+        <p:nvSpPr>
+          <p:cNvPr id="8" name="PlaceHolder 3"/>
           <p:cNvSpPr>
             <a:spLocks noGrp="1"/>
           </p:cNvSpPr>
@@ -2302,8 +2318,8 @@
         </p:nvSpPr>
         <p:spPr>
           <a:xfrm>
-            <a:off x="6226200" y="1825560"/>
-            <a:ext cx="5131080" cy="4350960"/>
+            <a:off x="6231960" y="1604520"/>
+            <a:ext cx="5354280" cy="3977280"/>
           </a:xfrm>
           <a:prstGeom prst="rect">
             <a:avLst/>
@@ -2312,16 +2328,16 @@
         <p:txBody>
           <a:bodyPr lIns="0" rIns="0" tIns="0" bIns="0"/>
           <a:p>
-            <a:endParaRPr b="0" lang="fr-FR" sz="2800" spc="-1" strike="noStrike">
-              <a:solidFill>
-                <a:srgbClr val="000000"/>
-              </a:solidFill>
-              <a:uFill>
-                <a:solidFill>
-                  <a:srgbClr val="ffffff"/>
-                </a:solidFill>
-              </a:uFill>
-              <a:latin typeface="Calibri"/>
+            <a:endParaRPr b="0" lang="en-US" sz="3200" spc="-1" strike="noStrike">
+              <a:solidFill>
+                <a:srgbClr val="000000"/>
+              </a:solidFill>
+              <a:uFill>
+                <a:solidFill>
+                  <a:srgbClr val="ffffff"/>
+                </a:solidFill>
+              </a:uFill>
+              <a:latin typeface="Arial"/>
             </a:endParaRPr>
           </a:p>
         </p:txBody>
@@ -2350,7 +2366,7 @@
       </p:grpSpPr>
       <p:sp>
         <p:nvSpPr>
-          <p:cNvPr id="12" name="PlaceHolder 1"/>
+          <p:cNvPr id="9" name="PlaceHolder 1"/>
           <p:cNvSpPr>
             <a:spLocks noGrp="1"/>
           </p:cNvSpPr>
@@ -2360,8 +2376,8 @@
         </p:nvSpPr>
         <p:spPr>
           <a:xfrm>
-            <a:off x="838080" y="365040"/>
-            <a:ext cx="10515240" cy="1325160"/>
+            <a:off x="609480" y="273600"/>
+            <a:ext cx="10972440" cy="1144800"/>
           </a:xfrm>
           <a:prstGeom prst="rect">
             <a:avLst/>
@@ -2370,16 +2386,17 @@
         <p:txBody>
           <a:bodyPr lIns="0" rIns="0" tIns="0" bIns="0" anchor="ctr"/>
           <a:p>
-            <a:endParaRPr b="0" lang="fr-FR" sz="1800" spc="-1" strike="noStrike">
-              <a:solidFill>
-                <a:srgbClr val="000000"/>
-              </a:solidFill>
-              <a:uFill>
-                <a:solidFill>
-                  <a:srgbClr val="ffffff"/>
-                </a:solidFill>
-              </a:uFill>
-              <a:latin typeface="Calibri"/>
+            <a:pPr algn="ctr"/>
+            <a:endParaRPr b="0" lang="en-US" sz="4400" spc="-1" strike="noStrike">
+              <a:solidFill>
+                <a:srgbClr val="000000"/>
+              </a:solidFill>
+              <a:uFill>
+                <a:solidFill>
+                  <a:srgbClr val="ffffff"/>
+                </a:solidFill>
+              </a:uFill>
+              <a:latin typeface="Arial"/>
             </a:endParaRPr>
           </a:p>
         </p:txBody>
@@ -2408,7 +2425,7 @@
       </p:grpSpPr>
       <p:sp>
         <p:nvSpPr>
-          <p:cNvPr id="13" name="PlaceHolder 1"/>
+          <p:cNvPr id="10" name="PlaceHolder 1"/>
           <p:cNvSpPr>
             <a:spLocks noGrp="1"/>
           </p:cNvSpPr>
@@ -2418,8 +2435,8 @@
         </p:nvSpPr>
         <p:spPr>
           <a:xfrm>
-            <a:off x="838080" y="365040"/>
-            <a:ext cx="10515240" cy="6144120"/>
+            <a:off x="609480" y="273600"/>
+            <a:ext cx="10972440" cy="5307840"/>
           </a:xfrm>
           <a:prstGeom prst="rect">
             <a:avLst/>
@@ -2467,7 +2484,7 @@
       </p:grpSpPr>
       <p:sp>
         <p:nvSpPr>
-          <p:cNvPr id="14" name="PlaceHolder 1"/>
+          <p:cNvPr id="11" name="PlaceHolder 1"/>
           <p:cNvSpPr>
             <a:spLocks noGrp="1"/>
           </p:cNvSpPr>
@@ -2477,8 +2494,8 @@
         </p:nvSpPr>
         <p:spPr>
           <a:xfrm>
-            <a:off x="838080" y="365040"/>
-            <a:ext cx="10515240" cy="1325160"/>
+            <a:off x="609480" y="273600"/>
+            <a:ext cx="10972440" cy="1144800"/>
           </a:xfrm>
           <a:prstGeom prst="rect">
             <a:avLst/>
@@ -2487,23 +2504,24 @@
         <p:txBody>
           <a:bodyPr lIns="0" rIns="0" tIns="0" bIns="0" anchor="ctr"/>
           <a:p>
-            <a:endParaRPr b="0" lang="fr-FR" sz="1800" spc="-1" strike="noStrike">
-              <a:solidFill>
-                <a:srgbClr val="000000"/>
-              </a:solidFill>
-              <a:uFill>
-                <a:solidFill>
-                  <a:srgbClr val="ffffff"/>
-                </a:solidFill>
-              </a:uFill>
-              <a:latin typeface="Calibri"/>
-            </a:endParaRPr>
-          </a:p>
-        </p:txBody>
-      </p:sp>
-      <p:sp>
-        <p:nvSpPr>
-          <p:cNvPr id="15" name="PlaceHolder 2"/>
+            <a:pPr algn="ctr"/>
+            <a:endParaRPr b="0" lang="en-US" sz="4400" spc="-1" strike="noStrike">
+              <a:solidFill>
+                <a:srgbClr val="000000"/>
+              </a:solidFill>
+              <a:uFill>
+                <a:solidFill>
+                  <a:srgbClr val="ffffff"/>
+                </a:solidFill>
+              </a:uFill>
+              <a:latin typeface="Arial"/>
+            </a:endParaRPr>
+          </a:p>
+        </p:txBody>
+      </p:sp>
+      <p:sp>
+        <p:nvSpPr>
+          <p:cNvPr id="12" name="PlaceHolder 2"/>
           <p:cNvSpPr>
             <a:spLocks noGrp="1"/>
           </p:cNvSpPr>
@@ -2513,8 +2531,8 @@
         </p:nvSpPr>
         <p:spPr>
           <a:xfrm>
-            <a:off x="838080" y="1825560"/>
-            <a:ext cx="5131080" cy="2075040"/>
+            <a:off x="609480" y="1604520"/>
+            <a:ext cx="5354280" cy="1896840"/>
           </a:xfrm>
           <a:prstGeom prst="rect">
             <a:avLst/>
@@ -2523,23 +2541,23 @@
         <p:txBody>
           <a:bodyPr lIns="0" rIns="0" tIns="0" bIns="0"/>
           <a:p>
-            <a:endParaRPr b="0" lang="fr-FR" sz="2800" spc="-1" strike="noStrike">
-              <a:solidFill>
-                <a:srgbClr val="000000"/>
-              </a:solidFill>
-              <a:uFill>
-                <a:solidFill>
-                  <a:srgbClr val="ffffff"/>
-                </a:solidFill>
-              </a:uFill>
-              <a:latin typeface="Calibri"/>
-            </a:endParaRPr>
-          </a:p>
-        </p:txBody>
-      </p:sp>
-      <p:sp>
-        <p:nvSpPr>
-          <p:cNvPr id="16" name="PlaceHolder 3"/>
+            <a:endParaRPr b="0" lang="en-US" sz="3200" spc="-1" strike="noStrike">
+              <a:solidFill>
+                <a:srgbClr val="000000"/>
+              </a:solidFill>
+              <a:uFill>
+                <a:solidFill>
+                  <a:srgbClr val="ffffff"/>
+                </a:solidFill>
+              </a:uFill>
+              <a:latin typeface="Arial"/>
+            </a:endParaRPr>
+          </a:p>
+        </p:txBody>
+      </p:sp>
+      <p:sp>
+        <p:nvSpPr>
+          <p:cNvPr id="13" name="PlaceHolder 3"/>
           <p:cNvSpPr>
             <a:spLocks noGrp="1"/>
           </p:cNvSpPr>
@@ -2549,8 +2567,8 @@
         </p:nvSpPr>
         <p:spPr>
           <a:xfrm>
-            <a:off x="838080" y="4098240"/>
-            <a:ext cx="5131080" cy="2075040"/>
+            <a:off x="609480" y="3682080"/>
+            <a:ext cx="5354280" cy="1896840"/>
           </a:xfrm>
           <a:prstGeom prst="rect">
             <a:avLst/>
@@ -2559,23 +2577,23 @@
         <p:txBody>
           <a:bodyPr lIns="0" rIns="0" tIns="0" bIns="0"/>
           <a:p>
-            <a:endParaRPr b="0" lang="fr-FR" sz="2800" spc="-1" strike="noStrike">
-              <a:solidFill>
-                <a:srgbClr val="000000"/>
-              </a:solidFill>
-              <a:uFill>
-                <a:solidFill>
-                  <a:srgbClr val="ffffff"/>
-                </a:solidFill>
-              </a:uFill>
-              <a:latin typeface="Calibri"/>
-            </a:endParaRPr>
-          </a:p>
-        </p:txBody>
-      </p:sp>
-      <p:sp>
-        <p:nvSpPr>
-          <p:cNvPr id="17" name="PlaceHolder 4"/>
+            <a:endParaRPr b="0" lang="en-US" sz="3200" spc="-1" strike="noStrike">
+              <a:solidFill>
+                <a:srgbClr val="000000"/>
+              </a:solidFill>
+              <a:uFill>
+                <a:solidFill>
+                  <a:srgbClr val="ffffff"/>
+                </a:solidFill>
+              </a:uFill>
+              <a:latin typeface="Arial"/>
+            </a:endParaRPr>
+          </a:p>
+        </p:txBody>
+      </p:sp>
+      <p:sp>
+        <p:nvSpPr>
+          <p:cNvPr id="14" name="PlaceHolder 4"/>
           <p:cNvSpPr>
             <a:spLocks noGrp="1"/>
           </p:cNvSpPr>
@@ -2585,8 +2603,8 @@
         </p:nvSpPr>
         <p:spPr>
           <a:xfrm>
-            <a:off x="6226200" y="1825560"/>
-            <a:ext cx="5131080" cy="4350960"/>
+            <a:off x="6231960" y="1604520"/>
+            <a:ext cx="5354280" cy="3977280"/>
           </a:xfrm>
           <a:prstGeom prst="rect">
             <a:avLst/>
@@ -2595,16 +2613,16 @@
         <p:txBody>
           <a:bodyPr lIns="0" rIns="0" tIns="0" bIns="0"/>
           <a:p>
-            <a:endParaRPr b="0" lang="fr-FR" sz="2800" spc="-1" strike="noStrike">
-              <a:solidFill>
-                <a:srgbClr val="000000"/>
-              </a:solidFill>
-              <a:uFill>
-                <a:solidFill>
-                  <a:srgbClr val="ffffff"/>
-                </a:solidFill>
-              </a:uFill>
-              <a:latin typeface="Calibri"/>
+            <a:endParaRPr b="0" lang="en-US" sz="3200" spc="-1" strike="noStrike">
+              <a:solidFill>
+                <a:srgbClr val="000000"/>
+              </a:solidFill>
+              <a:uFill>
+                <a:solidFill>
+                  <a:srgbClr val="ffffff"/>
+                </a:solidFill>
+              </a:uFill>
+              <a:latin typeface="Arial"/>
             </a:endParaRPr>
           </a:p>
         </p:txBody>
@@ -2633,7 +2651,7 @@
       </p:grpSpPr>
       <p:sp>
         <p:nvSpPr>
-          <p:cNvPr id="18" name="PlaceHolder 1"/>
+          <p:cNvPr id="15" name="PlaceHolder 1"/>
           <p:cNvSpPr>
             <a:spLocks noGrp="1"/>
           </p:cNvSpPr>
@@ -2643,8 +2661,8 @@
         </p:nvSpPr>
         <p:spPr>
           <a:xfrm>
-            <a:off x="838080" y="365040"/>
-            <a:ext cx="10515240" cy="1325160"/>
+            <a:off x="609480" y="273600"/>
+            <a:ext cx="10972440" cy="1144800"/>
           </a:xfrm>
           <a:prstGeom prst="rect">
             <a:avLst/>
@@ -2653,23 +2671,24 @@
         <p:txBody>
           <a:bodyPr lIns="0" rIns="0" tIns="0" bIns="0" anchor="ctr"/>
           <a:p>
-            <a:endParaRPr b="0" lang="fr-FR" sz="1800" spc="-1" strike="noStrike">
-              <a:solidFill>
-                <a:srgbClr val="000000"/>
-              </a:solidFill>
-              <a:uFill>
-                <a:solidFill>
-                  <a:srgbClr val="ffffff"/>
-                </a:solidFill>
-              </a:uFill>
-              <a:latin typeface="Calibri"/>
-            </a:endParaRPr>
-          </a:p>
-        </p:txBody>
-      </p:sp>
-      <p:sp>
-        <p:nvSpPr>
-          <p:cNvPr id="19" name="PlaceHolder 2"/>
+            <a:pPr algn="ctr"/>
+            <a:endParaRPr b="0" lang="en-US" sz="4400" spc="-1" strike="noStrike">
+              <a:solidFill>
+                <a:srgbClr val="000000"/>
+              </a:solidFill>
+              <a:uFill>
+                <a:solidFill>
+                  <a:srgbClr val="ffffff"/>
+                </a:solidFill>
+              </a:uFill>
+              <a:latin typeface="Arial"/>
+            </a:endParaRPr>
+          </a:p>
+        </p:txBody>
+      </p:sp>
+      <p:sp>
+        <p:nvSpPr>
+          <p:cNvPr id="16" name="PlaceHolder 2"/>
           <p:cNvSpPr>
             <a:spLocks noGrp="1"/>
           </p:cNvSpPr>
@@ -2679,8 +2698,8 @@
         </p:nvSpPr>
         <p:spPr>
           <a:xfrm>
-            <a:off x="838080" y="1825560"/>
-            <a:ext cx="5131080" cy="4350960"/>
+            <a:off x="609480" y="1604520"/>
+            <a:ext cx="5354280" cy="3977280"/>
           </a:xfrm>
           <a:prstGeom prst="rect">
             <a:avLst/>
@@ -2689,23 +2708,23 @@
         <p:txBody>
           <a:bodyPr lIns="0" rIns="0" tIns="0" bIns="0"/>
           <a:p>
-            <a:endParaRPr b="0" lang="fr-FR" sz="2800" spc="-1" strike="noStrike">
-              <a:solidFill>
-                <a:srgbClr val="000000"/>
-              </a:solidFill>
-              <a:uFill>
-                <a:solidFill>
-                  <a:srgbClr val="ffffff"/>
-                </a:solidFill>
-              </a:uFill>
-              <a:latin typeface="Calibri"/>
-            </a:endParaRPr>
-          </a:p>
-        </p:txBody>
-      </p:sp>
-      <p:sp>
-        <p:nvSpPr>
-          <p:cNvPr id="20" name="PlaceHolder 3"/>
+            <a:endParaRPr b="0" lang="en-US" sz="3200" spc="-1" strike="noStrike">
+              <a:solidFill>
+                <a:srgbClr val="000000"/>
+              </a:solidFill>
+              <a:uFill>
+                <a:solidFill>
+                  <a:srgbClr val="ffffff"/>
+                </a:solidFill>
+              </a:uFill>
+              <a:latin typeface="Arial"/>
+            </a:endParaRPr>
+          </a:p>
+        </p:txBody>
+      </p:sp>
+      <p:sp>
+        <p:nvSpPr>
+          <p:cNvPr id="17" name="PlaceHolder 3"/>
           <p:cNvSpPr>
             <a:spLocks noGrp="1"/>
           </p:cNvSpPr>
@@ -2715,8 +2734,8 @@
         </p:nvSpPr>
         <p:spPr>
           <a:xfrm>
-            <a:off x="6226200" y="1825560"/>
-            <a:ext cx="5131080" cy="2075040"/>
+            <a:off x="6231960" y="1604520"/>
+            <a:ext cx="5354280" cy="1896840"/>
           </a:xfrm>
           <a:prstGeom prst="rect">
             <a:avLst/>
@@ -2725,23 +2744,23 @@
         <p:txBody>
           <a:bodyPr lIns="0" rIns="0" tIns="0" bIns="0"/>
           <a:p>
-            <a:endParaRPr b="0" lang="fr-FR" sz="2800" spc="-1" strike="noStrike">
-              <a:solidFill>
-                <a:srgbClr val="000000"/>
-              </a:solidFill>
-              <a:uFill>
-                <a:solidFill>
-                  <a:srgbClr val="ffffff"/>
-                </a:solidFill>
-              </a:uFill>
-              <a:latin typeface="Calibri"/>
-            </a:endParaRPr>
-          </a:p>
-        </p:txBody>
-      </p:sp>
-      <p:sp>
-        <p:nvSpPr>
-          <p:cNvPr id="21" name="PlaceHolder 4"/>
+            <a:endParaRPr b="0" lang="en-US" sz="3200" spc="-1" strike="noStrike">
+              <a:solidFill>
+                <a:srgbClr val="000000"/>
+              </a:solidFill>
+              <a:uFill>
+                <a:solidFill>
+                  <a:srgbClr val="ffffff"/>
+                </a:solidFill>
+              </a:uFill>
+              <a:latin typeface="Arial"/>
+            </a:endParaRPr>
+          </a:p>
+        </p:txBody>
+      </p:sp>
+      <p:sp>
+        <p:nvSpPr>
+          <p:cNvPr id="18" name="PlaceHolder 4"/>
           <p:cNvSpPr>
             <a:spLocks noGrp="1"/>
           </p:cNvSpPr>
@@ -2751,8 +2770,8 @@
         </p:nvSpPr>
         <p:spPr>
           <a:xfrm>
-            <a:off x="6226200" y="4098240"/>
-            <a:ext cx="5131080" cy="2075040"/>
+            <a:off x="6231960" y="3682080"/>
+            <a:ext cx="5354280" cy="1896840"/>
           </a:xfrm>
           <a:prstGeom prst="rect">
             <a:avLst/>
@@ -2761,16 +2780,16 @@
         <p:txBody>
           <a:bodyPr lIns="0" rIns="0" tIns="0" bIns="0"/>
           <a:p>
-            <a:endParaRPr b="0" lang="fr-FR" sz="2800" spc="-1" strike="noStrike">
-              <a:solidFill>
-                <a:srgbClr val="000000"/>
-              </a:solidFill>
-              <a:uFill>
-                <a:solidFill>
-                  <a:srgbClr val="ffffff"/>
-                </a:solidFill>
-              </a:uFill>
-              <a:latin typeface="Calibri"/>
+            <a:endParaRPr b="0" lang="en-US" sz="3200" spc="-1" strike="noStrike">
+              <a:solidFill>
+                <a:srgbClr val="000000"/>
+              </a:solidFill>
+              <a:uFill>
+                <a:solidFill>
+                  <a:srgbClr val="ffffff"/>
+                </a:solidFill>
+              </a:uFill>
+              <a:latin typeface="Arial"/>
             </a:endParaRPr>
           </a:p>
         </p:txBody>
@@ -2799,7 +2818,7 @@
       </p:grpSpPr>
       <p:sp>
         <p:nvSpPr>
-          <p:cNvPr id="22" name="PlaceHolder 1"/>
+          <p:cNvPr id="19" name="PlaceHolder 1"/>
           <p:cNvSpPr>
             <a:spLocks noGrp="1"/>
           </p:cNvSpPr>
@@ -2809,8 +2828,8 @@
         </p:nvSpPr>
         <p:spPr>
           <a:xfrm>
-            <a:off x="838080" y="365040"/>
-            <a:ext cx="10515240" cy="1325160"/>
+            <a:off x="609480" y="273600"/>
+            <a:ext cx="10972440" cy="1144800"/>
           </a:xfrm>
           <a:prstGeom prst="rect">
             <a:avLst/>
@@ -2819,23 +2838,24 @@
         <p:txBody>
           <a:bodyPr lIns="0" rIns="0" tIns="0" bIns="0" anchor="ctr"/>
           <a:p>
-            <a:endParaRPr b="0" lang="fr-FR" sz="1800" spc="-1" strike="noStrike">
-              <a:solidFill>
-                <a:srgbClr val="000000"/>
-              </a:solidFill>
-              <a:uFill>
-                <a:solidFill>
-                  <a:srgbClr val="ffffff"/>
-                </a:solidFill>
-              </a:uFill>
-              <a:latin typeface="Calibri"/>
-            </a:endParaRPr>
-          </a:p>
-        </p:txBody>
-      </p:sp>
-      <p:sp>
-        <p:nvSpPr>
-          <p:cNvPr id="23" name="PlaceHolder 2"/>
+            <a:pPr algn="ctr"/>
+            <a:endParaRPr b="0" lang="en-US" sz="4400" spc="-1" strike="noStrike">
+              <a:solidFill>
+                <a:srgbClr val="000000"/>
+              </a:solidFill>
+              <a:uFill>
+                <a:solidFill>
+                  <a:srgbClr val="ffffff"/>
+                </a:solidFill>
+              </a:uFill>
+              <a:latin typeface="Arial"/>
+            </a:endParaRPr>
+          </a:p>
+        </p:txBody>
+      </p:sp>
+      <p:sp>
+        <p:nvSpPr>
+          <p:cNvPr id="20" name="PlaceHolder 2"/>
           <p:cNvSpPr>
             <a:spLocks noGrp="1"/>
           </p:cNvSpPr>
@@ -2845,8 +2865,8 @@
         </p:nvSpPr>
         <p:spPr>
           <a:xfrm>
-            <a:off x="838080" y="1825560"/>
-            <a:ext cx="5131080" cy="2075040"/>
+            <a:off x="609480" y="1604520"/>
+            <a:ext cx="5354280" cy="1896840"/>
           </a:xfrm>
           <a:prstGeom prst="rect">
             <a:avLst/>
@@ -2855,23 +2875,23 @@
         <p:txBody>
           <a:bodyPr lIns="0" rIns="0" tIns="0" bIns="0"/>
           <a:p>
-            <a:endParaRPr b="0" lang="fr-FR" sz="2800" spc="-1" strike="noStrike">
-              <a:solidFill>
-                <a:srgbClr val="000000"/>
-              </a:solidFill>
-              <a:uFill>
-                <a:solidFill>
-                  <a:srgbClr val="ffffff"/>
-                </a:solidFill>
-              </a:uFill>
-              <a:latin typeface="Calibri"/>
-            </a:endParaRPr>
-          </a:p>
-        </p:txBody>
-      </p:sp>
-      <p:sp>
-        <p:nvSpPr>
-          <p:cNvPr id="24" name="PlaceHolder 3"/>
+            <a:endParaRPr b="0" lang="en-US" sz="3200" spc="-1" strike="noStrike">
+              <a:solidFill>
+                <a:srgbClr val="000000"/>
+              </a:solidFill>
+              <a:uFill>
+                <a:solidFill>
+                  <a:srgbClr val="ffffff"/>
+                </a:solidFill>
+              </a:uFill>
+              <a:latin typeface="Arial"/>
+            </a:endParaRPr>
+          </a:p>
+        </p:txBody>
+      </p:sp>
+      <p:sp>
+        <p:nvSpPr>
+          <p:cNvPr id="21" name="PlaceHolder 3"/>
           <p:cNvSpPr>
             <a:spLocks noGrp="1"/>
           </p:cNvSpPr>
@@ -2881,8 +2901,8 @@
         </p:nvSpPr>
         <p:spPr>
           <a:xfrm>
-            <a:off x="6226200" y="1825560"/>
-            <a:ext cx="5131080" cy="2075040"/>
+            <a:off x="6231960" y="1604520"/>
+            <a:ext cx="5354280" cy="1896840"/>
           </a:xfrm>
           <a:prstGeom prst="rect">
             <a:avLst/>
@@ -2891,23 +2911,23 @@
         <p:txBody>
           <a:bodyPr lIns="0" rIns="0" tIns="0" bIns="0"/>
           <a:p>
-            <a:endParaRPr b="0" lang="fr-FR" sz="2800" spc="-1" strike="noStrike">
-              <a:solidFill>
-                <a:srgbClr val="000000"/>
-              </a:solidFill>
-              <a:uFill>
-                <a:solidFill>
-                  <a:srgbClr val="ffffff"/>
-                </a:solidFill>
-              </a:uFill>
-              <a:latin typeface="Calibri"/>
-            </a:endParaRPr>
-          </a:p>
-        </p:txBody>
-      </p:sp>
-      <p:sp>
-        <p:nvSpPr>
-          <p:cNvPr id="25" name="PlaceHolder 4"/>
+            <a:endParaRPr b="0" lang="en-US" sz="3200" spc="-1" strike="noStrike">
+              <a:solidFill>
+                <a:srgbClr val="000000"/>
+              </a:solidFill>
+              <a:uFill>
+                <a:solidFill>
+                  <a:srgbClr val="ffffff"/>
+                </a:solidFill>
+              </a:uFill>
+              <a:latin typeface="Arial"/>
+            </a:endParaRPr>
+          </a:p>
+        </p:txBody>
+      </p:sp>
+      <p:sp>
+        <p:nvSpPr>
+          <p:cNvPr id="22" name="PlaceHolder 4"/>
           <p:cNvSpPr>
             <a:spLocks noGrp="1"/>
           </p:cNvSpPr>
@@ -2917,8 +2937,8 @@
         </p:nvSpPr>
         <p:spPr>
           <a:xfrm>
-            <a:off x="838080" y="4098240"/>
-            <a:ext cx="10515240" cy="2075040"/>
+            <a:off x="609480" y="3682080"/>
+            <a:ext cx="10972440" cy="1896840"/>
           </a:xfrm>
           <a:prstGeom prst="rect">
             <a:avLst/>
@@ -2927,16 +2947,16 @@
         <p:txBody>
           <a:bodyPr lIns="0" rIns="0" tIns="0" bIns="0"/>
           <a:p>
-            <a:endParaRPr b="0" lang="fr-FR" sz="2800" spc="-1" strike="noStrike">
-              <a:solidFill>
-                <a:srgbClr val="000000"/>
-              </a:solidFill>
-              <a:uFill>
-                <a:solidFill>
-                  <a:srgbClr val="ffffff"/>
-                </a:solidFill>
-              </a:uFill>
-              <a:latin typeface="Calibri"/>
+            <a:endParaRPr b="0" lang="en-US" sz="3200" spc="-1" strike="noStrike">
+              <a:solidFill>
+                <a:srgbClr val="000000"/>
+              </a:solidFill>
+              <a:uFill>
+                <a:solidFill>
+                  <a:srgbClr val="ffffff"/>
+                </a:solidFill>
+              </a:uFill>
+              <a:latin typeface="Arial"/>
             </a:endParaRPr>
           </a:p>
         </p:txBody>
@@ -2982,45 +3002,27 @@
         </p:nvSpPr>
         <p:spPr>
           <a:xfrm>
-            <a:off x="1523880" y="1122480"/>
-            <a:ext cx="9143640" cy="2387160"/>
-          </a:xfrm>
-          <a:prstGeom prst="rect">
-            <a:avLst/>
-          </a:prstGeom>
-        </p:spPr>
-        <p:txBody>
-          <a:bodyPr anchor="b"/>
-          <a:p>
-            <a:pPr algn="ctr">
-              <a:lnSpc>
-                <a:spcPct val="100000"/>
-              </a:lnSpc>
-            </a:pPr>
-            <a:r>
-              <a:rPr b="0" lang="fr-FR" sz="6000" spc="-1" strike="noStrike">
-                <a:solidFill>
-                  <a:srgbClr val="000000"/>
-                </a:solidFill>
-                <a:uFill>
-                  <a:solidFill>
-                    <a:srgbClr val="ffffff"/>
-                  </a:solidFill>
-                </a:uFill>
-                <a:latin typeface="Calibri Light"/>
-              </a:rPr>
-              <a:t>Click to edit Master title style</a:t>
-            </a:r>
-            <a:endParaRPr b="0" lang="fr-FR" sz="1800" spc="-1" strike="noStrike">
-              <a:solidFill>
-                <a:srgbClr val="000000"/>
-              </a:solidFill>
-              <a:uFill>
-                <a:solidFill>
-                  <a:srgbClr val="ffffff"/>
-                </a:solidFill>
-              </a:uFill>
-              <a:latin typeface="Calibri"/>
+            <a:off x="838080" y="365040"/>
+            <a:ext cx="10514880" cy="1324800"/>
+          </a:xfrm>
+          <a:prstGeom prst="rect">
+            <a:avLst/>
+          </a:prstGeom>
+        </p:spPr>
+        <p:txBody>
+          <a:bodyPr lIns="0" rIns="0" tIns="0" bIns="0" anchor="ctr"/>
+          <a:p>
+            <a:pPr algn="ctr"/>
+            <a:endParaRPr b="0" lang="en-US" sz="4400" spc="-1" strike="noStrike">
+              <a:solidFill>
+                <a:srgbClr val="000000"/>
+              </a:solidFill>
+              <a:uFill>
+                <a:solidFill>
+                  <a:srgbClr val="ffffff"/>
+                </a:solidFill>
+              </a:uFill>
+              <a:latin typeface="Arial"/>
             </a:endParaRPr>
           </a:p>
         </p:txBody>
@@ -3028,152 +3030,6 @@
       <p:sp>
         <p:nvSpPr>
           <p:cNvPr id="1" name="PlaceHolder 2"/>
-          <p:cNvSpPr>
-            <a:spLocks noGrp="1"/>
-          </p:cNvSpPr>
-          <p:nvPr>
-            <p:ph type="dt"/>
-          </p:nvPr>
-        </p:nvSpPr>
-        <p:spPr>
-          <a:xfrm>
-            <a:off x="838080" y="6356520"/>
-            <a:ext cx="2742840" cy="364680"/>
-          </a:xfrm>
-          <a:prstGeom prst="rect">
-            <a:avLst/>
-          </a:prstGeom>
-        </p:spPr>
-        <p:txBody>
-          <a:bodyPr anchor="ctr"/>
-          <a:p>
-            <a:pPr>
-              <a:lnSpc>
-                <a:spcPct val="100000"/>
-              </a:lnSpc>
-            </a:pPr>
-            <a:r>
-              <a:rPr b="0" lang="en-US" sz="1200" spc="-1" strike="noStrike">
-                <a:solidFill>
-                  <a:srgbClr val="8b8b8b"/>
-                </a:solidFill>
-                <a:uFill>
-                  <a:solidFill>
-                    <a:srgbClr val="ffffff"/>
-                  </a:solidFill>
-                </a:uFill>
-                <a:latin typeface="Calibri"/>
-              </a:rPr>
-              <a:t>11/2/17</a:t>
-            </a:r>
-            <a:endParaRPr b="0" lang="en-US" sz="1400" spc="-1" strike="noStrike">
-              <a:solidFill>
-                <a:srgbClr val="000000"/>
-              </a:solidFill>
-              <a:uFill>
-                <a:solidFill>
-                  <a:srgbClr val="ffffff"/>
-                </a:solidFill>
-              </a:uFill>
-              <a:latin typeface="Times New Roman"/>
-            </a:endParaRPr>
-          </a:p>
-        </p:txBody>
-      </p:sp>
-      <p:sp>
-        <p:nvSpPr>
-          <p:cNvPr id="2" name="PlaceHolder 3"/>
-          <p:cNvSpPr>
-            <a:spLocks noGrp="1"/>
-          </p:cNvSpPr>
-          <p:nvPr>
-            <p:ph type="ftr"/>
-          </p:nvPr>
-        </p:nvSpPr>
-        <p:spPr>
-          <a:xfrm>
-            <a:off x="4038480" y="6356520"/>
-            <a:ext cx="4114440" cy="364680"/>
-          </a:xfrm>
-          <a:prstGeom prst="rect">
-            <a:avLst/>
-          </a:prstGeom>
-        </p:spPr>
-        <p:txBody>
-          <a:bodyPr anchor="ctr"/>
-          <a:p>
-            <a:endParaRPr b="0" lang="en-US" sz="2400" spc="-1" strike="noStrike">
-              <a:solidFill>
-                <a:srgbClr val="000000"/>
-              </a:solidFill>
-              <a:uFill>
-                <a:solidFill>
-                  <a:srgbClr val="ffffff"/>
-                </a:solidFill>
-              </a:uFill>
-              <a:latin typeface="Times New Roman"/>
-            </a:endParaRPr>
-          </a:p>
-        </p:txBody>
-      </p:sp>
-      <p:sp>
-        <p:nvSpPr>
-          <p:cNvPr id="3" name="PlaceHolder 4"/>
-          <p:cNvSpPr>
-            <a:spLocks noGrp="1"/>
-          </p:cNvSpPr>
-          <p:nvPr>
-            <p:ph type="sldNum"/>
-          </p:nvPr>
-        </p:nvSpPr>
-        <p:spPr>
-          <a:xfrm>
-            <a:off x="8610480" y="6356520"/>
-            <a:ext cx="2742840" cy="364680"/>
-          </a:xfrm>
-          <a:prstGeom prst="rect">
-            <a:avLst/>
-          </a:prstGeom>
-        </p:spPr>
-        <p:txBody>
-          <a:bodyPr anchor="ctr"/>
-          <a:p>
-            <a:pPr algn="r">
-              <a:lnSpc>
-                <a:spcPct val="100000"/>
-              </a:lnSpc>
-            </a:pPr>
-            <a:fld id="{02CB4168-0C92-440D-BCD9-B97B7BC3DD48}" type="slidenum">
-              <a:rPr b="0" lang="en-US" sz="1200" spc="-1" strike="noStrike">
-                <a:solidFill>
-                  <a:srgbClr val="8b8b8b"/>
-                </a:solidFill>
-                <a:uFill>
-                  <a:solidFill>
-                    <a:srgbClr val="ffffff"/>
-                  </a:solidFill>
-                </a:uFill>
-                <a:latin typeface="Calibri"/>
-              </a:rPr>
-              <a:t>&lt;number&gt;</a:t>
-            </a:fld>
-            <a:endParaRPr b="0" lang="en-US" sz="1400" spc="-1" strike="noStrike">
-              <a:solidFill>
-                <a:srgbClr val="000000"/>
-              </a:solidFill>
-              <a:uFill>
-                <a:solidFill>
-                  <a:srgbClr val="ffffff"/>
-                </a:solidFill>
-              </a:uFill>
-              <a:latin typeface="Times New Roman"/>
-            </a:endParaRPr>
-          </a:p>
-        </p:txBody>
-      </p:sp>
-      <p:sp>
-        <p:nvSpPr>
-          <p:cNvPr id="4" name="PlaceHolder 5"/>
           <p:cNvSpPr>
             <a:spLocks noGrp="1"/>
           </p:cNvSpPr>
@@ -3202,7 +3058,7 @@
               <a:buChar char=""/>
             </a:pPr>
             <a:r>
-              <a:rPr b="0" lang="fr-FR" sz="2800" spc="-1" strike="noStrike">
+              <a:rPr b="0" lang="en-US" sz="3200" spc="-1" strike="noStrike">
                 <a:solidFill>
                   <a:srgbClr val="000000"/>
                 </a:solidFill>
@@ -3211,20 +3067,20 @@
                     <a:srgbClr val="ffffff"/>
                   </a:solidFill>
                 </a:uFill>
-                <a:latin typeface="Calibri"/>
+                <a:latin typeface="Arial"/>
               </a:rPr>
               <a:t>Click to edit the outline text format</a:t>
             </a:r>
-            <a:endParaRPr b="0" lang="fr-FR" sz="2800" spc="-1" strike="noStrike">
-              <a:solidFill>
-                <a:srgbClr val="000000"/>
-              </a:solidFill>
-              <a:uFill>
-                <a:solidFill>
-                  <a:srgbClr val="ffffff"/>
-                </a:solidFill>
-              </a:uFill>
-              <a:latin typeface="Calibri"/>
+            <a:endParaRPr b="0" lang="en-US" sz="3200" spc="-1" strike="noStrike">
+              <a:solidFill>
+                <a:srgbClr val="000000"/>
+              </a:solidFill>
+              <a:uFill>
+                <a:solidFill>
+                  <a:srgbClr val="ffffff"/>
+                </a:solidFill>
+              </a:uFill>
+              <a:latin typeface="Arial"/>
             </a:endParaRPr>
           </a:p>
           <a:p>
@@ -3237,7 +3093,7 @@
               <a:buChar char=""/>
             </a:pPr>
             <a:r>
-              <a:rPr b="0" lang="fr-FR" sz="2000" spc="-1" strike="noStrike">
+              <a:rPr b="0" lang="en-US" sz="2800" spc="-1" strike="noStrike">
                 <a:solidFill>
                   <a:srgbClr val="000000"/>
                 </a:solidFill>
@@ -3246,20 +3102,20 @@
                     <a:srgbClr val="ffffff"/>
                   </a:solidFill>
                 </a:uFill>
-                <a:latin typeface="Calibri"/>
+                <a:latin typeface="Arial"/>
               </a:rPr>
               <a:t>Second Outline Level</a:t>
             </a:r>
-            <a:endParaRPr b="0" lang="fr-FR" sz="2000" spc="-1" strike="noStrike">
-              <a:solidFill>
-                <a:srgbClr val="000000"/>
-              </a:solidFill>
-              <a:uFill>
-                <a:solidFill>
-                  <a:srgbClr val="ffffff"/>
-                </a:solidFill>
-              </a:uFill>
-              <a:latin typeface="Calibri"/>
+            <a:endParaRPr b="0" lang="en-US" sz="2800" spc="-1" strike="noStrike">
+              <a:solidFill>
+                <a:srgbClr val="000000"/>
+              </a:solidFill>
+              <a:uFill>
+                <a:solidFill>
+                  <a:srgbClr val="ffffff"/>
+                </a:solidFill>
+              </a:uFill>
+              <a:latin typeface="Arial"/>
             </a:endParaRPr>
           </a:p>
           <a:p>
@@ -3272,7 +3128,7 @@
               <a:buChar char=""/>
             </a:pPr>
             <a:r>
-              <a:rPr b="0" lang="fr-FR" sz="1800" spc="-1" strike="noStrike">
+              <a:rPr b="0" lang="en-US" sz="2400" spc="-1" strike="noStrike">
                 <a:solidFill>
                   <a:srgbClr val="000000"/>
                 </a:solidFill>
@@ -3281,20 +3137,20 @@
                     <a:srgbClr val="ffffff"/>
                   </a:solidFill>
                 </a:uFill>
-                <a:latin typeface="Calibri"/>
+                <a:latin typeface="Arial"/>
               </a:rPr>
               <a:t>Third Outline Level</a:t>
             </a:r>
-            <a:endParaRPr b="0" lang="fr-FR" sz="1800" spc="-1" strike="noStrike">
-              <a:solidFill>
-                <a:srgbClr val="000000"/>
-              </a:solidFill>
-              <a:uFill>
-                <a:solidFill>
-                  <a:srgbClr val="ffffff"/>
-                </a:solidFill>
-              </a:uFill>
-              <a:latin typeface="Calibri"/>
+            <a:endParaRPr b="0" lang="en-US" sz="2400" spc="-1" strike="noStrike">
+              <a:solidFill>
+                <a:srgbClr val="000000"/>
+              </a:solidFill>
+              <a:uFill>
+                <a:solidFill>
+                  <a:srgbClr val="ffffff"/>
+                </a:solidFill>
+              </a:uFill>
+              <a:latin typeface="Arial"/>
             </a:endParaRPr>
           </a:p>
           <a:p>
@@ -3307,7 +3163,7 @@
               <a:buChar char=""/>
             </a:pPr>
             <a:r>
-              <a:rPr b="0" lang="fr-FR" sz="1800" spc="-1" strike="noStrike">
+              <a:rPr b="0" lang="en-US" sz="2000" spc="-1" strike="noStrike">
                 <a:solidFill>
                   <a:srgbClr val="000000"/>
                 </a:solidFill>
@@ -3316,20 +3172,20 @@
                     <a:srgbClr val="ffffff"/>
                   </a:solidFill>
                 </a:uFill>
-                <a:latin typeface="Calibri"/>
+                <a:latin typeface="Arial"/>
               </a:rPr>
               <a:t>Fourth Outline Level</a:t>
             </a:r>
-            <a:endParaRPr b="0" lang="fr-FR" sz="1800" spc="-1" strike="noStrike">
-              <a:solidFill>
-                <a:srgbClr val="000000"/>
-              </a:solidFill>
-              <a:uFill>
-                <a:solidFill>
-                  <a:srgbClr val="ffffff"/>
-                </a:solidFill>
-              </a:uFill>
-              <a:latin typeface="Calibri"/>
+            <a:endParaRPr b="0" lang="en-US" sz="2000" spc="-1" strike="noStrike">
+              <a:solidFill>
+                <a:srgbClr val="000000"/>
+              </a:solidFill>
+              <a:uFill>
+                <a:solidFill>
+                  <a:srgbClr val="ffffff"/>
+                </a:solidFill>
+              </a:uFill>
+              <a:latin typeface="Arial"/>
             </a:endParaRPr>
           </a:p>
           <a:p>
@@ -3342,7 +3198,7 @@
               <a:buChar char=""/>
             </a:pPr>
             <a:r>
-              <a:rPr b="0" lang="fr-FR" sz="2000" spc="-1" strike="noStrike">
+              <a:rPr b="0" lang="en-US" sz="2000" spc="-1" strike="noStrike">
                 <a:solidFill>
                   <a:srgbClr val="000000"/>
                 </a:solidFill>
@@ -3351,20 +3207,20 @@
                     <a:srgbClr val="ffffff"/>
                   </a:solidFill>
                 </a:uFill>
-                <a:latin typeface="Calibri"/>
+                <a:latin typeface="Arial"/>
               </a:rPr>
               <a:t>Fifth Outline Level</a:t>
             </a:r>
-            <a:endParaRPr b="0" lang="fr-FR" sz="2000" spc="-1" strike="noStrike">
-              <a:solidFill>
-                <a:srgbClr val="000000"/>
-              </a:solidFill>
-              <a:uFill>
-                <a:solidFill>
-                  <a:srgbClr val="ffffff"/>
-                </a:solidFill>
-              </a:uFill>
-              <a:latin typeface="Calibri"/>
+            <a:endParaRPr b="0" lang="en-US" sz="2000" spc="-1" strike="noStrike">
+              <a:solidFill>
+                <a:srgbClr val="000000"/>
+              </a:solidFill>
+              <a:uFill>
+                <a:solidFill>
+                  <a:srgbClr val="ffffff"/>
+                </a:solidFill>
+              </a:uFill>
+              <a:latin typeface="Arial"/>
             </a:endParaRPr>
           </a:p>
           <a:p>
@@ -3377,7 +3233,7 @@
               <a:buChar char=""/>
             </a:pPr>
             <a:r>
-              <a:rPr b="0" lang="fr-FR" sz="2000" spc="-1" strike="noStrike">
+              <a:rPr b="0" lang="en-US" sz="2000" spc="-1" strike="noStrike">
                 <a:solidFill>
                   <a:srgbClr val="000000"/>
                 </a:solidFill>
@@ -3386,20 +3242,20 @@
                     <a:srgbClr val="ffffff"/>
                   </a:solidFill>
                 </a:uFill>
-                <a:latin typeface="Calibri"/>
+                <a:latin typeface="Arial"/>
               </a:rPr>
               <a:t>Sixth Outline Level</a:t>
             </a:r>
-            <a:endParaRPr b="0" lang="fr-FR" sz="2000" spc="-1" strike="noStrike">
-              <a:solidFill>
-                <a:srgbClr val="000000"/>
-              </a:solidFill>
-              <a:uFill>
-                <a:solidFill>
-                  <a:srgbClr val="ffffff"/>
-                </a:solidFill>
-              </a:uFill>
-              <a:latin typeface="Calibri"/>
+            <a:endParaRPr b="0" lang="en-US" sz="2000" spc="-1" strike="noStrike">
+              <a:solidFill>
+                <a:srgbClr val="000000"/>
+              </a:solidFill>
+              <a:uFill>
+                <a:solidFill>
+                  <a:srgbClr val="ffffff"/>
+                </a:solidFill>
+              </a:uFill>
+              <a:latin typeface="Arial"/>
             </a:endParaRPr>
           </a:p>
           <a:p>
@@ -3412,7 +3268,7 @@
               <a:buChar char=""/>
             </a:pPr>
             <a:r>
-              <a:rPr b="0" lang="fr-FR" sz="2000" spc="-1" strike="noStrike">
+              <a:rPr b="0" lang="en-US" sz="2000" spc="-1" strike="noStrike">
                 <a:solidFill>
                   <a:srgbClr val="000000"/>
                 </a:solidFill>
@@ -3421,20 +3277,20 @@
                     <a:srgbClr val="ffffff"/>
                   </a:solidFill>
                 </a:uFill>
-                <a:latin typeface="Calibri"/>
+                <a:latin typeface="Arial"/>
               </a:rPr>
               <a:t>Seventh Outline Level</a:t>
             </a:r>
-            <a:endParaRPr b="0" lang="fr-FR" sz="2000" spc="-1" strike="noStrike">
-              <a:solidFill>
-                <a:srgbClr val="000000"/>
-              </a:solidFill>
-              <a:uFill>
-                <a:solidFill>
-                  <a:srgbClr val="ffffff"/>
-                </a:solidFill>
-              </a:uFill>
-              <a:latin typeface="Calibri"/>
+            <a:endParaRPr b="0" lang="en-US" sz="2000" spc="-1" strike="noStrike">
+              <a:solidFill>
+                <a:srgbClr val="000000"/>
+              </a:solidFill>
+              <a:uFill>
+                <a:solidFill>
+                  <a:srgbClr val="ffffff"/>
+                </a:solidFill>
+              </a:uFill>
+              <a:latin typeface="Arial"/>
             </a:endParaRPr>
           </a:p>
         </p:txBody>
@@ -3485,7 +3341,7 @@
       </p:grpSpPr>
       <p:sp>
         <p:nvSpPr>
-          <p:cNvPr id="39" name="PlaceHolder 1"/>
+          <p:cNvPr id="36" name="PlaceHolder 1"/>
           <p:cNvSpPr>
             <a:spLocks noGrp="1"/>
           </p:cNvSpPr>
@@ -3495,23 +3351,19 @@
         </p:nvSpPr>
         <p:spPr>
           <a:xfrm>
-            <a:off x="838080" y="365040"/>
-            <a:ext cx="10515240" cy="1325160"/>
-          </a:xfrm>
-          <a:prstGeom prst="rect">
-            <a:avLst/>
-          </a:prstGeom>
-        </p:spPr>
-        <p:txBody>
-          <a:bodyPr anchor="ctr"/>
-          <a:p>
-            <a:pPr>
-              <a:lnSpc>
-                <a:spcPct val="90000"/>
-              </a:lnSpc>
-            </a:pPr>
+            <a:off x="609480" y="273600"/>
+            <a:ext cx="10972440" cy="1144800"/>
+          </a:xfrm>
+          <a:prstGeom prst="rect">
+            <a:avLst/>
+          </a:prstGeom>
+        </p:spPr>
+        <p:txBody>
+          <a:bodyPr lIns="0" rIns="0" tIns="0" bIns="0" anchor="ctr"/>
+          <a:p>
+            <a:pPr algn="ctr"/>
             <a:r>
-              <a:rPr b="0" lang="fr-FR" sz="4400" spc="-1" strike="noStrike">
+              <a:rPr b="0" lang="en-US" sz="4400" spc="-1" strike="noStrike">
                 <a:solidFill>
                   <a:srgbClr val="000000"/>
                 </a:solidFill>
@@ -3520,27 +3372,27 @@
                     <a:srgbClr val="ffffff"/>
                   </a:solidFill>
                 </a:uFill>
-                <a:latin typeface="Calibri Light"/>
+                <a:latin typeface="Arial"/>
               </a:rPr>
-              <a:t>Click to edit Master title style</a:t>
+              <a:t>Click to edit the title text format</a:t>
             </a:r>
-            <a:endParaRPr b="0" lang="fr-FR" sz="1800" spc="-1" strike="noStrike">
-              <a:solidFill>
-                <a:srgbClr val="000000"/>
-              </a:solidFill>
-              <a:uFill>
-                <a:solidFill>
-                  <a:srgbClr val="ffffff"/>
-                </a:solidFill>
-              </a:uFill>
-              <a:latin typeface="Calibri"/>
-            </a:endParaRPr>
-          </a:p>
-        </p:txBody>
-      </p:sp>
-      <p:sp>
-        <p:nvSpPr>
-          <p:cNvPr id="40" name="PlaceHolder 2"/>
+            <a:endParaRPr b="0" lang="en-US" sz="4400" spc="-1" strike="noStrike">
+              <a:solidFill>
+                <a:srgbClr val="000000"/>
+              </a:solidFill>
+              <a:uFill>
+                <a:solidFill>
+                  <a:srgbClr val="ffffff"/>
+                </a:solidFill>
+              </a:uFill>
+              <a:latin typeface="Arial"/>
+            </a:endParaRPr>
+          </a:p>
+        </p:txBody>
+      </p:sp>
+      <p:sp>
+        <p:nvSpPr>
+          <p:cNvPr id="37" name="PlaceHolder 2"/>
           <p:cNvSpPr>
             <a:spLocks noGrp="1"/>
           </p:cNvSpPr>
@@ -3550,15 +3402,15 @@
         </p:nvSpPr>
         <p:spPr>
           <a:xfrm>
-            <a:off x="838080" y="1825560"/>
-            <a:ext cx="10515240" cy="4350960"/>
-          </a:xfrm>
-          <a:prstGeom prst="rect">
-            <a:avLst/>
-          </a:prstGeom>
-        </p:spPr>
-        <p:txBody>
-          <a:bodyPr/>
+            <a:off x="609480" y="1604520"/>
+            <a:ext cx="10972440" cy="3977280"/>
+          </a:xfrm>
+          <a:prstGeom prst="rect">
+            <a:avLst/>
+          </a:prstGeom>
+        </p:spPr>
+        <p:txBody>
+          <a:bodyPr lIns="0" rIns="0" tIns="0" bIns="0"/>
           <a:p>
             <a:pPr marL="432000" indent="-324000">
               <a:buClr>
@@ -3569,7 +3421,7 @@
               <a:buChar char=""/>
             </a:pPr>
             <a:r>
-              <a:rPr b="0" lang="fr-FR" sz="2800" spc="-1" strike="noStrike">
+              <a:rPr b="0" lang="en-US" sz="3200" spc="-1" strike="noStrike">
                 <a:solidFill>
                   <a:srgbClr val="000000"/>
                 </a:solidFill>
@@ -3578,20 +3430,20 @@
                     <a:srgbClr val="ffffff"/>
                   </a:solidFill>
                 </a:uFill>
-                <a:latin typeface="Calibri"/>
+                <a:latin typeface="Arial"/>
               </a:rPr>
               <a:t>Click to edit the outline text format</a:t>
             </a:r>
-            <a:endParaRPr b="0" lang="fr-FR" sz="2800" spc="-1" strike="noStrike">
-              <a:solidFill>
-                <a:srgbClr val="000000"/>
-              </a:solidFill>
-              <a:uFill>
-                <a:solidFill>
-                  <a:srgbClr val="ffffff"/>
-                </a:solidFill>
-              </a:uFill>
-              <a:latin typeface="Calibri"/>
+            <a:endParaRPr b="0" lang="en-US" sz="3200" spc="-1" strike="noStrike">
+              <a:solidFill>
+                <a:srgbClr val="000000"/>
+              </a:solidFill>
+              <a:uFill>
+                <a:solidFill>
+                  <a:srgbClr val="ffffff"/>
+                </a:solidFill>
+              </a:uFill>
+              <a:latin typeface="Arial"/>
             </a:endParaRPr>
           </a:p>
           <a:p>
@@ -3604,7 +3456,7 @@
               <a:buChar char=""/>
             </a:pPr>
             <a:r>
-              <a:rPr b="0" lang="fr-FR" sz="2800" spc="-1" strike="noStrike">
+              <a:rPr b="0" lang="en-US" sz="2800" spc="-1" strike="noStrike">
                 <a:solidFill>
                   <a:srgbClr val="000000"/>
                 </a:solidFill>
@@ -3613,20 +3465,20 @@
                     <a:srgbClr val="ffffff"/>
                   </a:solidFill>
                 </a:uFill>
-                <a:latin typeface="Calibri"/>
+                <a:latin typeface="Arial"/>
               </a:rPr>
               <a:t>Second Outline Level</a:t>
             </a:r>
-            <a:endParaRPr b="0" lang="fr-FR" sz="2800" spc="-1" strike="noStrike">
-              <a:solidFill>
-                <a:srgbClr val="000000"/>
-              </a:solidFill>
-              <a:uFill>
-                <a:solidFill>
-                  <a:srgbClr val="ffffff"/>
-                </a:solidFill>
-              </a:uFill>
-              <a:latin typeface="Calibri"/>
+            <a:endParaRPr b="0" lang="en-US" sz="2800" spc="-1" strike="noStrike">
+              <a:solidFill>
+                <a:srgbClr val="000000"/>
+              </a:solidFill>
+              <a:uFill>
+                <a:solidFill>
+                  <a:srgbClr val="ffffff"/>
+                </a:solidFill>
+              </a:uFill>
+              <a:latin typeface="Arial"/>
             </a:endParaRPr>
           </a:p>
           <a:p>
@@ -3639,7 +3491,7 @@
               <a:buChar char=""/>
             </a:pPr>
             <a:r>
-              <a:rPr b="0" lang="fr-FR" sz="2800" spc="-1" strike="noStrike">
+              <a:rPr b="0" lang="en-US" sz="2400" spc="-1" strike="noStrike">
                 <a:solidFill>
                   <a:srgbClr val="000000"/>
                 </a:solidFill>
@@ -3648,20 +3500,20 @@
                     <a:srgbClr val="ffffff"/>
                   </a:solidFill>
                 </a:uFill>
-                <a:latin typeface="Calibri"/>
+                <a:latin typeface="Arial"/>
               </a:rPr>
               <a:t>Third Outline Level</a:t>
             </a:r>
-            <a:endParaRPr b="0" lang="fr-FR" sz="2800" spc="-1" strike="noStrike">
-              <a:solidFill>
-                <a:srgbClr val="000000"/>
-              </a:solidFill>
-              <a:uFill>
-                <a:solidFill>
-                  <a:srgbClr val="ffffff"/>
-                </a:solidFill>
-              </a:uFill>
-              <a:latin typeface="Calibri"/>
+            <a:endParaRPr b="0" lang="en-US" sz="2400" spc="-1" strike="noStrike">
+              <a:solidFill>
+                <a:srgbClr val="000000"/>
+              </a:solidFill>
+              <a:uFill>
+                <a:solidFill>
+                  <a:srgbClr val="ffffff"/>
+                </a:solidFill>
+              </a:uFill>
+              <a:latin typeface="Arial"/>
             </a:endParaRPr>
           </a:p>
           <a:p>
@@ -3674,7 +3526,7 @@
               <a:buChar char=""/>
             </a:pPr>
             <a:r>
-              <a:rPr b="0" lang="fr-FR" sz="2800" spc="-1" strike="noStrike">
+              <a:rPr b="0" lang="en-US" sz="2000" spc="-1" strike="noStrike">
                 <a:solidFill>
                   <a:srgbClr val="000000"/>
                 </a:solidFill>
@@ -3683,20 +3535,20 @@
                     <a:srgbClr val="ffffff"/>
                   </a:solidFill>
                 </a:uFill>
-                <a:latin typeface="Calibri"/>
+                <a:latin typeface="Arial"/>
               </a:rPr>
               <a:t>Fourth Outline Level</a:t>
             </a:r>
-            <a:endParaRPr b="0" lang="fr-FR" sz="2800" spc="-1" strike="noStrike">
-              <a:solidFill>
-                <a:srgbClr val="000000"/>
-              </a:solidFill>
-              <a:uFill>
-                <a:solidFill>
-                  <a:srgbClr val="ffffff"/>
-                </a:solidFill>
-              </a:uFill>
-              <a:latin typeface="Calibri"/>
+            <a:endParaRPr b="0" lang="en-US" sz="2000" spc="-1" strike="noStrike">
+              <a:solidFill>
+                <a:srgbClr val="000000"/>
+              </a:solidFill>
+              <a:uFill>
+                <a:solidFill>
+                  <a:srgbClr val="ffffff"/>
+                </a:solidFill>
+              </a:uFill>
+              <a:latin typeface="Arial"/>
             </a:endParaRPr>
           </a:p>
           <a:p>
@@ -3709,7 +3561,7 @@
               <a:buChar char=""/>
             </a:pPr>
             <a:r>
-              <a:rPr b="0" lang="fr-FR" sz="2800" spc="-1" strike="noStrike">
+              <a:rPr b="0" lang="en-US" sz="2000" spc="-1" strike="noStrike">
                 <a:solidFill>
                   <a:srgbClr val="000000"/>
                 </a:solidFill>
@@ -3718,20 +3570,20 @@
                     <a:srgbClr val="ffffff"/>
                   </a:solidFill>
                 </a:uFill>
-                <a:latin typeface="Calibri"/>
+                <a:latin typeface="Arial"/>
               </a:rPr>
               <a:t>Fifth Outline Level</a:t>
             </a:r>
-            <a:endParaRPr b="0" lang="fr-FR" sz="2800" spc="-1" strike="noStrike">
-              <a:solidFill>
-                <a:srgbClr val="000000"/>
-              </a:solidFill>
-              <a:uFill>
-                <a:solidFill>
-                  <a:srgbClr val="ffffff"/>
-                </a:solidFill>
-              </a:uFill>
-              <a:latin typeface="Calibri"/>
+            <a:endParaRPr b="0" lang="en-US" sz="2000" spc="-1" strike="noStrike">
+              <a:solidFill>
+                <a:srgbClr val="000000"/>
+              </a:solidFill>
+              <a:uFill>
+                <a:solidFill>
+                  <a:srgbClr val="ffffff"/>
+                </a:solidFill>
+              </a:uFill>
+              <a:latin typeface="Arial"/>
             </a:endParaRPr>
           </a:p>
           <a:p>
@@ -3744,7 +3596,7 @@
               <a:buChar char=""/>
             </a:pPr>
             <a:r>
-              <a:rPr b="0" lang="fr-FR" sz="2800" spc="-1" strike="noStrike">
+              <a:rPr b="0" lang="en-US" sz="2000" spc="-1" strike="noStrike">
                 <a:solidFill>
                   <a:srgbClr val="000000"/>
                 </a:solidFill>
@@ -3753,35 +3605,33 @@
                     <a:srgbClr val="ffffff"/>
                   </a:solidFill>
                 </a:uFill>
-                <a:latin typeface="Calibri"/>
+                <a:latin typeface="Arial"/>
               </a:rPr>
               <a:t>Sixth Outline Level</a:t>
             </a:r>
-            <a:endParaRPr b="0" lang="fr-FR" sz="2800" spc="-1" strike="noStrike">
-              <a:solidFill>
-                <a:srgbClr val="000000"/>
-              </a:solidFill>
-              <a:uFill>
-                <a:solidFill>
-                  <a:srgbClr val="ffffff"/>
-                </a:solidFill>
-              </a:uFill>
-              <a:latin typeface="Calibri"/>
-            </a:endParaRPr>
-          </a:p>
-          <a:p>
-            <a:pPr marL="228600" indent="-228240">
-              <a:lnSpc>
-                <a:spcPct val="100000"/>
-              </a:lnSpc>
+            <a:endParaRPr b="0" lang="en-US" sz="2000" spc="-1" strike="noStrike">
+              <a:solidFill>
+                <a:srgbClr val="000000"/>
+              </a:solidFill>
+              <a:uFill>
+                <a:solidFill>
+                  <a:srgbClr val="ffffff"/>
+                </a:solidFill>
+              </a:uFill>
+              <a:latin typeface="Arial"/>
+            </a:endParaRPr>
+          </a:p>
+          <a:p>
+            <a:pPr lvl="6" marL="3024000" indent="-216000">
               <a:buClr>
                 <a:srgbClr val="000000"/>
               </a:buClr>
-              <a:buFont typeface="Arial"/>
-              <a:buChar char="•"/>
+              <a:buSzPct val="45000"/>
+              <a:buFont typeface="Wingdings" charset="2"/>
+              <a:buChar char=""/>
             </a:pPr>
             <a:r>
-              <a:rPr b="0" lang="fr-FR" sz="2800" spc="-1" strike="noStrike">
+              <a:rPr b="0" lang="en-US" sz="2000" spc="-1" strike="noStrike">
                 <a:solidFill>
                   <a:srgbClr val="000000"/>
                 </a:solidFill>
@@ -3790,314 +3640,20 @@
                     <a:srgbClr val="ffffff"/>
                   </a:solidFill>
                 </a:uFill>
-                <a:latin typeface="Calibri"/>
+                <a:latin typeface="Arial"/>
               </a:rPr>
-              <a:t>Seventh Outline LevelClick to edit Master text styles</a:t>
+              <a:t>Seventh Outline Level</a:t>
             </a:r>
-            <a:endParaRPr b="0" lang="fr-FR" sz="2800" spc="-1" strike="noStrike">
-              <a:solidFill>
-                <a:srgbClr val="000000"/>
-              </a:solidFill>
-              <a:uFill>
-                <a:solidFill>
-                  <a:srgbClr val="ffffff"/>
-                </a:solidFill>
-              </a:uFill>
-              <a:latin typeface="Calibri"/>
-            </a:endParaRPr>
-          </a:p>
-          <a:p>
-            <a:pPr lvl="1" marL="685800" indent="-228240">
-              <a:lnSpc>
-                <a:spcPct val="100000"/>
-              </a:lnSpc>
-              <a:buClr>
-                <a:srgbClr val="000000"/>
-              </a:buClr>
-              <a:buFont typeface="Arial"/>
-              <a:buChar char="•"/>
-            </a:pPr>
-            <a:r>
-              <a:rPr b="0" lang="fr-FR" sz="2400" spc="-1" strike="noStrike">
-                <a:solidFill>
-                  <a:srgbClr val="000000"/>
-                </a:solidFill>
-                <a:uFill>
-                  <a:solidFill>
-                    <a:srgbClr val="ffffff"/>
-                  </a:solidFill>
-                </a:uFill>
-                <a:latin typeface="Calibri"/>
-              </a:rPr>
-              <a:t>Second level</a:t>
-            </a:r>
-            <a:endParaRPr b="0" lang="fr-FR" sz="2800" spc="-1" strike="noStrike">
-              <a:solidFill>
-                <a:srgbClr val="000000"/>
-              </a:solidFill>
-              <a:uFill>
-                <a:solidFill>
-                  <a:srgbClr val="ffffff"/>
-                </a:solidFill>
-              </a:uFill>
-              <a:latin typeface="Calibri"/>
-            </a:endParaRPr>
-          </a:p>
-          <a:p>
-            <a:pPr lvl="2" marL="1143000" indent="-228240">
-              <a:lnSpc>
-                <a:spcPct val="100000"/>
-              </a:lnSpc>
-              <a:buClr>
-                <a:srgbClr val="000000"/>
-              </a:buClr>
-              <a:buFont typeface="Arial"/>
-              <a:buChar char="•"/>
-            </a:pPr>
-            <a:r>
-              <a:rPr b="0" lang="fr-FR" sz="2000" spc="-1" strike="noStrike">
-                <a:solidFill>
-                  <a:srgbClr val="000000"/>
-                </a:solidFill>
-                <a:uFill>
-                  <a:solidFill>
-                    <a:srgbClr val="ffffff"/>
-                  </a:solidFill>
-                </a:uFill>
-                <a:latin typeface="Calibri"/>
-              </a:rPr>
-              <a:t>Third level</a:t>
-            </a:r>
-            <a:endParaRPr b="0" lang="fr-FR" sz="2800" spc="-1" strike="noStrike">
-              <a:solidFill>
-                <a:srgbClr val="000000"/>
-              </a:solidFill>
-              <a:uFill>
-                <a:solidFill>
-                  <a:srgbClr val="ffffff"/>
-                </a:solidFill>
-              </a:uFill>
-              <a:latin typeface="Calibri"/>
-            </a:endParaRPr>
-          </a:p>
-          <a:p>
-            <a:pPr lvl="3" marL="1600200" indent="-228240">
-              <a:lnSpc>
-                <a:spcPct val="100000"/>
-              </a:lnSpc>
-              <a:buClr>
-                <a:srgbClr val="000000"/>
-              </a:buClr>
-              <a:buFont typeface="Arial"/>
-              <a:buChar char="•"/>
-            </a:pPr>
-            <a:r>
-              <a:rPr b="0" lang="fr-FR" sz="1800" spc="-1" strike="noStrike">
-                <a:solidFill>
-                  <a:srgbClr val="000000"/>
-                </a:solidFill>
-                <a:uFill>
-                  <a:solidFill>
-                    <a:srgbClr val="ffffff"/>
-                  </a:solidFill>
-                </a:uFill>
-                <a:latin typeface="Calibri"/>
-              </a:rPr>
-              <a:t>Fourth level</a:t>
-            </a:r>
-            <a:endParaRPr b="0" lang="fr-FR" sz="2800" spc="-1" strike="noStrike">
-              <a:solidFill>
-                <a:srgbClr val="000000"/>
-              </a:solidFill>
-              <a:uFill>
-                <a:solidFill>
-                  <a:srgbClr val="ffffff"/>
-                </a:solidFill>
-              </a:uFill>
-              <a:latin typeface="Calibri"/>
-            </a:endParaRPr>
-          </a:p>
-          <a:p>
-            <a:pPr lvl="4" marL="2057400" indent="-228240">
-              <a:lnSpc>
-                <a:spcPct val="100000"/>
-              </a:lnSpc>
-              <a:buClr>
-                <a:srgbClr val="000000"/>
-              </a:buClr>
-              <a:buFont typeface="Arial"/>
-              <a:buChar char="•"/>
-            </a:pPr>
-            <a:r>
-              <a:rPr b="0" lang="fr-FR" sz="1800" spc="-1" strike="noStrike">
-                <a:solidFill>
-                  <a:srgbClr val="000000"/>
-                </a:solidFill>
-                <a:uFill>
-                  <a:solidFill>
-                    <a:srgbClr val="ffffff"/>
-                  </a:solidFill>
-                </a:uFill>
-                <a:latin typeface="Calibri"/>
-              </a:rPr>
-              <a:t>Fifth level</a:t>
-            </a:r>
-            <a:endParaRPr b="0" lang="fr-FR" sz="2800" spc="-1" strike="noStrike">
-              <a:solidFill>
-                <a:srgbClr val="000000"/>
-              </a:solidFill>
-              <a:uFill>
-                <a:solidFill>
-                  <a:srgbClr val="ffffff"/>
-                </a:solidFill>
-              </a:uFill>
-              <a:latin typeface="Calibri"/>
-            </a:endParaRPr>
-          </a:p>
-        </p:txBody>
-      </p:sp>
-      <p:sp>
-        <p:nvSpPr>
-          <p:cNvPr id="41" name="PlaceHolder 3"/>
-          <p:cNvSpPr>
-            <a:spLocks noGrp="1"/>
-          </p:cNvSpPr>
-          <p:nvPr>
-            <p:ph type="dt"/>
-          </p:nvPr>
-        </p:nvSpPr>
-        <p:spPr>
-          <a:xfrm>
-            <a:off x="838080" y="6356520"/>
-            <a:ext cx="2742840" cy="364680"/>
-          </a:xfrm>
-          <a:prstGeom prst="rect">
-            <a:avLst/>
-          </a:prstGeom>
-        </p:spPr>
-        <p:txBody>
-          <a:bodyPr anchor="ctr"/>
-          <a:p>
-            <a:pPr>
-              <a:lnSpc>
-                <a:spcPct val="100000"/>
-              </a:lnSpc>
-            </a:pPr>
-            <a:r>
-              <a:rPr b="0" lang="en-US" sz="1200" spc="-1" strike="noStrike">
-                <a:solidFill>
-                  <a:srgbClr val="8b8b8b"/>
-                </a:solidFill>
-                <a:uFill>
-                  <a:solidFill>
-                    <a:srgbClr val="ffffff"/>
-                  </a:solidFill>
-                </a:uFill>
-                <a:latin typeface="Calibri"/>
-              </a:rPr>
-              <a:t>11/2/17</a:t>
-            </a:r>
-            <a:endParaRPr b="0" lang="en-US" sz="1400" spc="-1" strike="noStrike">
-              <a:solidFill>
-                <a:srgbClr val="000000"/>
-              </a:solidFill>
-              <a:uFill>
-                <a:solidFill>
-                  <a:srgbClr val="ffffff"/>
-                </a:solidFill>
-              </a:uFill>
-              <a:latin typeface="Times New Roman"/>
-            </a:endParaRPr>
-          </a:p>
-        </p:txBody>
-      </p:sp>
-      <p:sp>
-        <p:nvSpPr>
-          <p:cNvPr id="42" name="PlaceHolder 4"/>
-          <p:cNvSpPr>
-            <a:spLocks noGrp="1"/>
-          </p:cNvSpPr>
-          <p:nvPr>
-            <p:ph type="ftr"/>
-          </p:nvPr>
-        </p:nvSpPr>
-        <p:spPr>
-          <a:xfrm>
-            <a:off x="4038480" y="6356520"/>
-            <a:ext cx="4114440" cy="364680"/>
-          </a:xfrm>
-          <a:prstGeom prst="rect">
-            <a:avLst/>
-          </a:prstGeom>
-        </p:spPr>
-        <p:txBody>
-          <a:bodyPr anchor="ctr"/>
-          <a:p>
-            <a:endParaRPr b="0" lang="en-US" sz="2400" spc="-1" strike="noStrike">
-              <a:solidFill>
-                <a:srgbClr val="000000"/>
-              </a:solidFill>
-              <a:uFill>
-                <a:solidFill>
-                  <a:srgbClr val="ffffff"/>
-                </a:solidFill>
-              </a:uFill>
-              <a:latin typeface="Times New Roman"/>
-            </a:endParaRPr>
-          </a:p>
-        </p:txBody>
-      </p:sp>
-      <p:sp>
-        <p:nvSpPr>
-          <p:cNvPr id="43" name="PlaceHolder 5"/>
-          <p:cNvSpPr>
-            <a:spLocks noGrp="1"/>
-          </p:cNvSpPr>
-          <p:nvPr>
-            <p:ph type="sldNum"/>
-          </p:nvPr>
-        </p:nvSpPr>
-        <p:spPr>
-          <a:xfrm>
-            <a:off x="8610480" y="6356520"/>
-            <a:ext cx="2742840" cy="364680"/>
-          </a:xfrm>
-          <a:prstGeom prst="rect">
-            <a:avLst/>
-          </a:prstGeom>
-        </p:spPr>
-        <p:txBody>
-          <a:bodyPr anchor="ctr"/>
-          <a:p>
-            <a:pPr algn="r">
-              <a:lnSpc>
-                <a:spcPct val="100000"/>
-              </a:lnSpc>
-            </a:pPr>
-            <a:fld id="{8AD69D79-A526-4A84-9949-2B3B39CD5E85}" type="slidenum">
-              <a:rPr b="0" lang="en-US" sz="1200" spc="-1" strike="noStrike">
-                <a:solidFill>
-                  <a:srgbClr val="8b8b8b"/>
-                </a:solidFill>
-                <a:uFill>
-                  <a:solidFill>
-                    <a:srgbClr val="ffffff"/>
-                  </a:solidFill>
-                </a:uFill>
-                <a:latin typeface="Calibri"/>
-              </a:rPr>
-              <a:t>&lt;number&gt;</a:t>
-            </a:fld>
-            <a:endParaRPr b="0" lang="en-US" sz="1400" spc="-1" strike="noStrike">
-              <a:solidFill>
-                <a:srgbClr val="000000"/>
-              </a:solidFill>
-              <a:uFill>
-                <a:solidFill>
-                  <a:srgbClr val="ffffff"/>
-                </a:solidFill>
-              </a:uFill>
-              <a:latin typeface="Times New Roman"/>
+            <a:endParaRPr b="0" lang="en-US" sz="2000" spc="-1" strike="noStrike">
+              <a:solidFill>
+                <a:srgbClr val="000000"/>
+              </a:solidFill>
+              <a:uFill>
+                <a:solidFill>
+                  <a:srgbClr val="ffffff"/>
+                </a:solidFill>
+              </a:uFill>
+              <a:latin typeface="Arial"/>
             </a:endParaRPr>
           </a:p>
         </p:txBody>
@@ -4151,14 +3707,14 @@
       </p:grpSpPr>
       <p:sp>
         <p:nvSpPr>
-          <p:cNvPr id="78" name="TextShape 1"/>
-          <p:cNvSpPr txBox="1"/>
+          <p:cNvPr id="72" name="CustomShape 1"/>
+          <p:cNvSpPr/>
           <p:nvPr/>
         </p:nvSpPr>
         <p:spPr>
           <a:xfrm>
-            <a:off x="5556240" y="2381400"/>
-            <a:ext cx="6176160" cy="914040"/>
+            <a:off x="5528520" y="1920240"/>
+            <a:ext cx="6175800" cy="913680"/>
           </a:xfrm>
           <a:prstGeom prst="rect">
             <a:avLst/>
@@ -4168,16 +3724,17 @@
             <a:noFill/>
           </a:ln>
         </p:spPr>
+        <p:style>
+          <a:lnRef idx="0"/>
+          <a:fillRef idx="0"/>
+          <a:effectRef idx="0"/>
+          <a:fontRef idx="minor"/>
+        </p:style>
         <p:txBody>
           <a:bodyPr lIns="0" rIns="0" tIns="0" bIns="0"/>
           <a:p>
-            <a:pPr>
-              <a:lnSpc>
-                <a:spcPct val="100000"/>
-              </a:lnSpc>
-            </a:pPr>
             <a:r>
-              <a:rPr b="0" lang="fr-FR" sz="9600" spc="-1" strike="noStrike">
+              <a:rPr b="0" lang="en-US" sz="9600" spc="-1" strike="noStrike">
                 <a:solidFill>
                   <a:srgbClr val="ffffff"/>
                 </a:solidFill>
@@ -4190,8 +3747,26 @@
               </a:rPr>
               <a:t>AKKA.JS</a:t>
             </a:r>
+            <a:endParaRPr b="0" lang="en-US" sz="1800" spc="-1" strike="noStrike">
+              <a:solidFill>
+                <a:srgbClr val="ffffff"/>
+              </a:solidFill>
+              <a:uFill>
+                <a:solidFill>
+                  <a:srgbClr val="ffffff"/>
+                </a:solidFill>
+              </a:uFill>
+              <a:latin typeface="Arial"/>
+            </a:endParaRPr>
+          </a:p>
+          <a:p>
+            <a:pPr>
+              <a:lnSpc>
+                <a:spcPct val="100000"/>
+              </a:lnSpc>
+            </a:pPr>
             <a:r>
-              <a:rPr b="0" lang="fr-FR" sz="4400" spc="-1" strike="noStrike">
+              <a:rPr b="0" lang="en-US" sz="2800" spc="-1" strike="noStrike">
                 <a:solidFill>
                   <a:srgbClr val="ffffff"/>
                 </a:solidFill>
@@ -4202,61 +3777,32 @@
                 </a:uFill>
                 <a:latin typeface="Trebuchet MS Bold"/>
               </a:rPr>
-              <a:t>
-</a:t>
+              <a:t>and why the actor model matters even in JS's world.</a:t>
             </a:r>
-            <a:r>
-              <a:rPr b="0" lang="fr-FR" sz="4400" spc="-1" strike="noStrike">
-                <a:solidFill>
-                  <a:srgbClr val="ffffff"/>
-                </a:solidFill>
-                <a:uFill>
-                  <a:solidFill>
-                    <a:srgbClr val="ffffff"/>
-                  </a:solidFill>
-                </a:uFill>
-                <a:latin typeface="Trebuchet MS Bold"/>
-              </a:rPr>
-              <a:t>and why the actor model matters </a:t>
-            </a:r>
-            <a:r>
-              <a:rPr b="0" lang="fr-FR" sz="4400" spc="-1" strike="noStrike">
-                <a:solidFill>
-                  <a:srgbClr val="ffffff"/>
-                </a:solidFill>
-                <a:uFill>
-                  <a:solidFill>
-                    <a:srgbClr val="ffffff"/>
-                  </a:solidFill>
-                </a:uFill>
-                <a:latin typeface="Trebuchet MS Bold"/>
-              </a:rPr>
-              <a:t>even in JS's world.</a:t>
-            </a:r>
-            <a:endParaRPr b="0" lang="fr-FR" sz="1800" spc="-1" strike="noStrike">
-              <a:solidFill>
-                <a:srgbClr val="000000"/>
-              </a:solidFill>
-              <a:uFill>
-                <a:solidFill>
-                  <a:srgbClr val="ffffff"/>
-                </a:solidFill>
-              </a:uFill>
-              <a:latin typeface="Calibri"/>
-            </a:endParaRPr>
-          </a:p>
-        </p:txBody>
-      </p:sp>
-      <p:sp>
-        <p:nvSpPr>
-          <p:cNvPr id="79" name="CustomShape 2"/>
+            <a:endParaRPr b="0" lang="en-US" sz="1800" spc="-1" strike="noStrike">
+              <a:solidFill>
+                <a:srgbClr val="ffffff"/>
+              </a:solidFill>
+              <a:uFill>
+                <a:solidFill>
+                  <a:srgbClr val="ffffff"/>
+                </a:solidFill>
+              </a:uFill>
+              <a:latin typeface="Arial"/>
+            </a:endParaRPr>
+          </a:p>
+        </p:txBody>
+      </p:sp>
+      <p:sp>
+        <p:nvSpPr>
+          <p:cNvPr id="73" name="CustomShape 2"/>
           <p:cNvSpPr/>
           <p:nvPr/>
         </p:nvSpPr>
         <p:spPr>
           <a:xfrm>
             <a:off x="84240" y="1910520"/>
-            <a:ext cx="3420720" cy="2769840"/>
+            <a:ext cx="3420360" cy="2769480"/>
           </a:xfrm>
           <a:prstGeom prst="rect">
             <a:avLst/>
@@ -4273,7 +3819,7 @@
           <a:fontRef idx="minor"/>
         </p:style>
         <p:txBody>
-          <a:bodyPr/>
+          <a:bodyPr lIns="90000" rIns="90000" tIns="45000" bIns="45000"/>
           <a:p>
             <a:pPr>
               <a:lnSpc>
@@ -4291,10 +3837,11 @@
                   </a:solidFill>
                 </a:uFill>
                 <a:latin typeface="Trebuchet MS Bold"/>
+                <a:ea typeface="DejaVu Sans"/>
               </a:rPr>
               <a:t>Andrea Peruffo</a:t>
             </a:r>
-            <a:endParaRPr b="0" lang="en-US" sz="2400" spc="-1" strike="noStrike">
+            <a:endParaRPr b="0" lang="en-US" sz="1800" spc="-1" strike="noStrike">
               <a:solidFill>
                 <a:srgbClr val="ffffff"/>
               </a:solidFill>
@@ -4323,10 +3870,11 @@
                   </a:solidFill>
                 </a:uFill>
                 <a:latin typeface="Trebuchet MS Bold"/>
+                <a:ea typeface="DejaVu Sans"/>
               </a:rPr>
               <a:t>@and_prf </a:t>
             </a:r>
-            <a:endParaRPr b="0" lang="en-US" sz="2400" spc="-1" strike="noStrike">
+            <a:endParaRPr b="0" lang="en-US" sz="1800" spc="-1" strike="noStrike">
               <a:solidFill>
                 <a:srgbClr val="ffffff"/>
               </a:solidFill>
@@ -4355,10 +3903,11 @@
                   </a:solidFill>
                 </a:uFill>
                 <a:latin typeface="Trebuchet MS Bold"/>
+                <a:ea typeface="DejaVu Sans"/>
               </a:rPr>
               <a:t>github.com/akka-js</a:t>
             </a:r>
-            <a:endParaRPr b="0" lang="en-US" sz="2400" spc="-1" strike="noStrike">
+            <a:endParaRPr b="0" lang="en-US" sz="1800" spc="-1" strike="noStrike">
               <a:solidFill>
                 <a:srgbClr val="ffffff"/>
               </a:solidFill>
@@ -4376,7 +3925,7 @@
                 <a:spcPct val="150000"/>
               </a:lnSpc>
             </a:pPr>
-            <a:endParaRPr b="0" lang="en-US" sz="2400" spc="-1" strike="noStrike">
+            <a:endParaRPr b="0" lang="en-US" sz="1800" spc="-1" strike="noStrike">
               <a:solidFill>
                 <a:srgbClr val="ffffff"/>
               </a:solidFill>
@@ -4392,14 +3941,14 @@
       </p:sp>
       <p:sp>
         <p:nvSpPr>
-          <p:cNvPr id="80" name="CustomShape 3"/>
+          <p:cNvPr id="74" name="CustomShape 3"/>
           <p:cNvSpPr/>
           <p:nvPr/>
         </p:nvSpPr>
         <p:spPr>
           <a:xfrm>
             <a:off x="84240" y="6249600"/>
-            <a:ext cx="8560080" cy="577800"/>
+            <a:ext cx="8559720" cy="577440"/>
           </a:xfrm>
           <a:prstGeom prst="rect">
             <a:avLst/>
@@ -4434,6 +3983,7 @@
                   </a:solidFill>
                 </a:uFill>
                 <a:latin typeface="Trebuchet MS Bold"/>
+                <a:ea typeface="DejaVu Sans"/>
               </a:rPr>
               <a:t>#DevoxxMA</a:t>
             </a:r>
@@ -4512,14 +4062,14 @@
       </p:grpSpPr>
       <p:sp>
         <p:nvSpPr>
-          <p:cNvPr id="81" name="TextShape 1"/>
-          <p:cNvSpPr txBox="1"/>
+          <p:cNvPr id="75" name="CustomShape 1"/>
+          <p:cNvSpPr/>
           <p:nvPr/>
         </p:nvSpPr>
         <p:spPr>
           <a:xfrm>
             <a:off x="285840" y="250920"/>
-            <a:ext cx="10515240" cy="1325160"/>
+            <a:ext cx="10514880" cy="1324800"/>
           </a:xfrm>
           <a:prstGeom prst="rect">
             <a:avLst/>
@@ -4529,6 +4079,12 @@
             <a:noFill/>
           </a:ln>
         </p:spPr>
+        <p:style>
+          <a:lnRef idx="0"/>
+          <a:fillRef idx="0"/>
+          <a:effectRef idx="0"/>
+          <a:fontRef idx="minor"/>
+        </p:style>
         <p:txBody>
           <a:bodyPr lIns="0" rIns="0" tIns="0" bIns="0" anchor="ctr"/>
           <a:p>
@@ -4538,7 +4094,7 @@
               </a:lnSpc>
             </a:pPr>
             <a:r>
-              <a:rPr b="0" lang="fr-FR" sz="7200" spc="-1" strike="noStrike">
+              <a:rPr b="0" lang="en-US" sz="7200" spc="-1" strike="noStrike">
                 <a:solidFill>
                   <a:srgbClr val="dc5f00"/>
                 </a:solidFill>
@@ -4552,7 +4108,7 @@
               <a:t> </a:t>
             </a:r>
             <a:r>
-              <a:rPr b="0" lang="fr-FR" sz="7200" spc="-1" strike="noStrike">
+              <a:rPr b="0" lang="en-US" sz="7200" spc="-1" strike="noStrike">
                 <a:solidFill>
                   <a:srgbClr val="002060"/>
                 </a:solidFill>
@@ -4565,30 +4121,30 @@
               </a:rPr>
               <a:t>Title Title example</a:t>
             </a:r>
-            <a:endParaRPr b="0" lang="fr-FR" sz="1800" spc="-1" strike="noStrike">
-              <a:solidFill>
-                <a:srgbClr val="000000"/>
-              </a:solidFill>
-              <a:uFill>
-                <a:solidFill>
-                  <a:srgbClr val="ffffff"/>
-                </a:solidFill>
-              </a:uFill>
-              <a:latin typeface="Calibri"/>
-            </a:endParaRPr>
-          </a:p>
-        </p:txBody>
-      </p:sp>
-      <p:sp>
-        <p:nvSpPr>
-          <p:cNvPr id="82" name="TextShape 2"/>
-          <p:cNvSpPr txBox="1"/>
+            <a:endParaRPr b="0" lang="en-US" sz="1800" spc="-1" strike="noStrike">
+              <a:solidFill>
+                <a:srgbClr val="000000"/>
+              </a:solidFill>
+              <a:uFill>
+                <a:solidFill>
+                  <a:srgbClr val="ffffff"/>
+                </a:solidFill>
+              </a:uFill>
+              <a:latin typeface="Arial"/>
+            </a:endParaRPr>
+          </a:p>
+        </p:txBody>
+      </p:sp>
+      <p:sp>
+        <p:nvSpPr>
+          <p:cNvPr id="76" name="CustomShape 2"/>
+          <p:cNvSpPr/>
           <p:nvPr/>
         </p:nvSpPr>
         <p:spPr>
           <a:xfrm>
             <a:off x="1828800" y="1825560"/>
-            <a:ext cx="9524520" cy="4350960"/>
+            <a:ext cx="9524160" cy="4350600"/>
           </a:xfrm>
           <a:prstGeom prst="rect">
             <a:avLst/>
@@ -4598,33 +4154,23 @@
             <a:noFill/>
           </a:ln>
         </p:spPr>
-        <p:txBody>
-          <a:bodyPr/>
-          <a:p>
-            <a:endParaRPr b="0" lang="fr-FR" sz="2800" spc="-1" strike="noStrike">
-              <a:solidFill>
-                <a:srgbClr val="000000"/>
-              </a:solidFill>
-              <a:uFill>
-                <a:solidFill>
-                  <a:srgbClr val="ffffff"/>
-                </a:solidFill>
-              </a:uFill>
-              <a:latin typeface="Calibri"/>
-            </a:endParaRPr>
-          </a:p>
-        </p:txBody>
-      </p:sp>
-      <p:sp>
-        <p:nvSpPr>
-          <p:cNvPr id="83" name="CustomShape 3"/>
+        <p:style>
+          <a:lnRef idx="0"/>
+          <a:fillRef idx="0"/>
+          <a:effectRef idx="0"/>
+          <a:fontRef idx="minor"/>
+        </p:style>
+      </p:sp>
+      <p:sp>
+        <p:nvSpPr>
+          <p:cNvPr id="77" name="CustomShape 3"/>
           <p:cNvSpPr/>
           <p:nvPr/>
         </p:nvSpPr>
         <p:spPr>
           <a:xfrm>
             <a:off x="285840" y="0"/>
-            <a:ext cx="228240" cy="1576080"/>
+            <a:ext cx="227880" cy="1575720"/>
           </a:xfrm>
           <a:prstGeom prst="rect">
             <a:avLst/>
@@ -4655,14 +4201,14 @@
       </p:sp>
       <p:sp>
         <p:nvSpPr>
-          <p:cNvPr id="84" name="CustomShape 4"/>
+          <p:cNvPr id="78" name="CustomShape 4"/>
           <p:cNvSpPr/>
           <p:nvPr/>
         </p:nvSpPr>
         <p:spPr>
           <a:xfrm>
             <a:off x="285840" y="6273360"/>
-            <a:ext cx="8560080" cy="577800"/>
+            <a:ext cx="8559720" cy="577440"/>
           </a:xfrm>
           <a:prstGeom prst="rect">
             <a:avLst/>
@@ -4697,6 +4243,7 @@
                   </a:solidFill>
                 </a:uFill>
                 <a:latin typeface="Trebuchet MS Bold"/>
+                <a:ea typeface="DejaVu Sans"/>
               </a:rPr>
               <a:t>#Hashtag</a:t>
             </a:r>
@@ -4716,14 +4263,14 @@
       </p:sp>
       <p:sp>
         <p:nvSpPr>
-          <p:cNvPr id="85" name="CustomShape 5"/>
+          <p:cNvPr id="79" name="CustomShape 5"/>
           <p:cNvSpPr/>
           <p:nvPr/>
         </p:nvSpPr>
         <p:spPr>
           <a:xfrm rot="16200000">
-            <a:off x="10756080" y="499320"/>
-            <a:ext cx="2279520" cy="577800"/>
+            <a:off x="10756080" y="499680"/>
+            <a:ext cx="2279160" cy="577440"/>
           </a:xfrm>
           <a:prstGeom prst="rect">
             <a:avLst/>
@@ -4758,6 +4305,7 @@
                   </a:solidFill>
                 </a:uFill>
                 <a:latin typeface="Trebuchet MS Bold"/>
+                <a:ea typeface="DejaVu Sans"/>
               </a:rPr>
               <a:t>@twitter</a:t>
             </a:r>
@@ -4836,14 +4384,14 @@
       </p:grpSpPr>
       <p:sp>
         <p:nvSpPr>
-          <p:cNvPr id="86" name="TextShape 1"/>
-          <p:cNvSpPr txBox="1"/>
+          <p:cNvPr id="80" name="CustomShape 1"/>
+          <p:cNvSpPr/>
           <p:nvPr/>
         </p:nvSpPr>
         <p:spPr>
           <a:xfrm>
             <a:off x="285840" y="250920"/>
-            <a:ext cx="10515240" cy="1325160"/>
+            <a:ext cx="10514880" cy="1324800"/>
           </a:xfrm>
           <a:prstGeom prst="rect">
             <a:avLst/>
@@ -4853,6 +4401,12 @@
             <a:noFill/>
           </a:ln>
         </p:spPr>
+        <p:style>
+          <a:lnRef idx="0"/>
+          <a:fillRef idx="0"/>
+          <a:effectRef idx="0"/>
+          <a:fontRef idx="minor"/>
+        </p:style>
         <p:txBody>
           <a:bodyPr lIns="0" rIns="0" tIns="0" bIns="0" anchor="ctr"/>
           <a:p>
@@ -4862,7 +4416,7 @@
               </a:lnSpc>
             </a:pPr>
             <a:r>
-              <a:rPr b="0" lang="fr-FR" sz="7200" spc="-1" strike="noStrike">
+              <a:rPr b="0" lang="en-US" sz="7200" spc="-1" strike="noStrike">
                 <a:solidFill>
                   <a:srgbClr val="dc5f00"/>
                 </a:solidFill>
@@ -4876,7 +4430,7 @@
               <a:t>  </a:t>
             </a:r>
             <a:r>
-              <a:rPr b="0" lang="fr-FR" sz="7200" spc="-1" strike="noStrike">
+              <a:rPr b="0" lang="en-US" sz="7200" spc="-1" strike="noStrike">
                 <a:solidFill>
                   <a:srgbClr val="002060"/>
                 </a:solidFill>
@@ -4889,30 +4443,30 @@
               </a:rPr>
               <a:t>Title Title example</a:t>
             </a:r>
-            <a:endParaRPr b="0" lang="fr-FR" sz="1800" spc="-1" strike="noStrike">
-              <a:solidFill>
-                <a:srgbClr val="000000"/>
-              </a:solidFill>
-              <a:uFill>
-                <a:solidFill>
-                  <a:srgbClr val="ffffff"/>
-                </a:solidFill>
-              </a:uFill>
-              <a:latin typeface="Calibri"/>
-            </a:endParaRPr>
-          </a:p>
-        </p:txBody>
-      </p:sp>
-      <p:sp>
-        <p:nvSpPr>
-          <p:cNvPr id="87" name="CustomShape 2"/>
+            <a:endParaRPr b="0" lang="en-US" sz="1800" spc="-1" strike="noStrike">
+              <a:solidFill>
+                <a:srgbClr val="000000"/>
+              </a:solidFill>
+              <a:uFill>
+                <a:solidFill>
+                  <a:srgbClr val="ffffff"/>
+                </a:solidFill>
+              </a:uFill>
+              <a:latin typeface="Arial"/>
+            </a:endParaRPr>
+          </a:p>
+        </p:txBody>
+      </p:sp>
+      <p:sp>
+        <p:nvSpPr>
+          <p:cNvPr id="81" name="CustomShape 2"/>
           <p:cNvSpPr/>
           <p:nvPr/>
         </p:nvSpPr>
         <p:spPr>
           <a:xfrm>
             <a:off x="285840" y="0"/>
-            <a:ext cx="228240" cy="1576080"/>
+            <a:ext cx="227880" cy="1575720"/>
           </a:xfrm>
           <a:prstGeom prst="rect">
             <a:avLst/>
@@ -4943,14 +4497,14 @@
       </p:sp>
       <p:sp>
         <p:nvSpPr>
-          <p:cNvPr id="88" name="CustomShape 3"/>
+          <p:cNvPr id="82" name="CustomShape 3"/>
           <p:cNvSpPr/>
           <p:nvPr/>
         </p:nvSpPr>
         <p:spPr>
           <a:xfrm>
             <a:off x="285840" y="6273360"/>
-            <a:ext cx="8560080" cy="577800"/>
+            <a:ext cx="8559720" cy="577440"/>
           </a:xfrm>
           <a:prstGeom prst="rect">
             <a:avLst/>
@@ -4985,6 +4539,7 @@
                   </a:solidFill>
                 </a:uFill>
                 <a:latin typeface="Trebuchet MS Bold"/>
+                <a:ea typeface="DejaVu Sans"/>
               </a:rPr>
               <a:t>#Hashtag</a:t>
             </a:r>
@@ -5004,14 +4559,14 @@
       </p:sp>
       <p:sp>
         <p:nvSpPr>
-          <p:cNvPr id="89" name="CustomShape 4"/>
+          <p:cNvPr id="83" name="CustomShape 4"/>
           <p:cNvSpPr/>
           <p:nvPr/>
         </p:nvSpPr>
         <p:spPr>
           <a:xfrm rot="16200000">
-            <a:off x="10756080" y="499320"/>
-            <a:ext cx="2279520" cy="577800"/>
+            <a:off x="10756080" y="499680"/>
+            <a:ext cx="2279160" cy="577440"/>
           </a:xfrm>
           <a:prstGeom prst="rect">
             <a:avLst/>
@@ -5046,6 +4601,7 @@
                   </a:solidFill>
                 </a:uFill>
                 <a:latin typeface="Trebuchet MS Bold"/>
+                <a:ea typeface="DejaVu Sans"/>
               </a:rPr>
               <a:t>@twitter</a:t>
             </a:r>
@@ -5065,14 +4621,14 @@
       </p:sp>
       <p:sp>
         <p:nvSpPr>
-          <p:cNvPr id="90" name="CustomShape 5"/>
+          <p:cNvPr id="84" name="CustomShape 5"/>
           <p:cNvSpPr/>
           <p:nvPr/>
         </p:nvSpPr>
         <p:spPr>
           <a:xfrm>
             <a:off x="1587600" y="1576440"/>
-            <a:ext cx="9660600" cy="4696560"/>
+            <a:ext cx="9660240" cy="4696200"/>
           </a:xfrm>
           <a:custGeom>
             <a:avLst/>
@@ -5280,14 +4836,14 @@
       </p:grpSpPr>
       <p:sp>
         <p:nvSpPr>
-          <p:cNvPr id="91" name="TextShape 1"/>
-          <p:cNvSpPr txBox="1"/>
+          <p:cNvPr id="85" name="CustomShape 1"/>
+          <p:cNvSpPr/>
           <p:nvPr/>
         </p:nvSpPr>
         <p:spPr>
           <a:xfrm>
             <a:off x="285840" y="250920"/>
-            <a:ext cx="10515240" cy="1325160"/>
+            <a:ext cx="10514880" cy="1324800"/>
           </a:xfrm>
           <a:prstGeom prst="rect">
             <a:avLst/>
@@ -5297,6 +4853,12 @@
             <a:noFill/>
           </a:ln>
         </p:spPr>
+        <p:style>
+          <a:lnRef idx="0"/>
+          <a:fillRef idx="0"/>
+          <a:effectRef idx="0"/>
+          <a:fontRef idx="minor"/>
+        </p:style>
         <p:txBody>
           <a:bodyPr lIns="0" rIns="0" tIns="0" bIns="0" anchor="ctr"/>
           <a:p>
@@ -5306,7 +4868,7 @@
               </a:lnSpc>
             </a:pPr>
             <a:r>
-              <a:rPr b="0" lang="fr-FR" sz="7200" spc="-1" strike="noStrike">
+              <a:rPr b="0" lang="en-US" sz="7200" spc="-1" strike="noStrike">
                 <a:solidFill>
                   <a:srgbClr val="dc5f00"/>
                 </a:solidFill>
@@ -5320,7 +4882,7 @@
               <a:t>  </a:t>
             </a:r>
             <a:r>
-              <a:rPr b="0" lang="fr-FR" sz="7200" spc="-1" strike="noStrike">
+              <a:rPr b="0" lang="en-US" sz="7200" spc="-1" strike="noStrike">
                 <a:solidFill>
                   <a:srgbClr val="002060"/>
                 </a:solidFill>
@@ -5333,30 +4895,30 @@
               </a:rPr>
               <a:t>Title Title example</a:t>
             </a:r>
-            <a:endParaRPr b="0" lang="fr-FR" sz="1800" spc="-1" strike="noStrike">
-              <a:solidFill>
-                <a:srgbClr val="000000"/>
-              </a:solidFill>
-              <a:uFill>
-                <a:solidFill>
-                  <a:srgbClr val="ffffff"/>
-                </a:solidFill>
-              </a:uFill>
-              <a:latin typeface="Calibri"/>
-            </a:endParaRPr>
-          </a:p>
-        </p:txBody>
-      </p:sp>
-      <p:sp>
-        <p:nvSpPr>
-          <p:cNvPr id="92" name="TextShape 2"/>
-          <p:cNvSpPr txBox="1"/>
+            <a:endParaRPr b="0" lang="en-US" sz="1800" spc="-1" strike="noStrike">
+              <a:solidFill>
+                <a:srgbClr val="000000"/>
+              </a:solidFill>
+              <a:uFill>
+                <a:solidFill>
+                  <a:srgbClr val="ffffff"/>
+                </a:solidFill>
+              </a:uFill>
+              <a:latin typeface="Arial"/>
+            </a:endParaRPr>
+          </a:p>
+        </p:txBody>
+      </p:sp>
+      <p:sp>
+        <p:nvSpPr>
+          <p:cNvPr id="86" name="CustomShape 2"/>
+          <p:cNvSpPr/>
           <p:nvPr/>
         </p:nvSpPr>
         <p:spPr>
           <a:xfrm>
             <a:off x="1828800" y="1825560"/>
-            <a:ext cx="9524520" cy="4350960"/>
+            <a:ext cx="9524160" cy="4350600"/>
           </a:xfrm>
           <a:prstGeom prst="rect">
             <a:avLst/>
@@ -5366,33 +4928,23 @@
             <a:noFill/>
           </a:ln>
         </p:spPr>
-        <p:txBody>
-          <a:bodyPr/>
-          <a:p>
-            <a:endParaRPr b="0" lang="fr-FR" sz="2800" spc="-1" strike="noStrike">
-              <a:solidFill>
-                <a:srgbClr val="000000"/>
-              </a:solidFill>
-              <a:uFill>
-                <a:solidFill>
-                  <a:srgbClr val="ffffff"/>
-                </a:solidFill>
-              </a:uFill>
-              <a:latin typeface="Calibri"/>
-            </a:endParaRPr>
-          </a:p>
-        </p:txBody>
-      </p:sp>
-      <p:sp>
-        <p:nvSpPr>
-          <p:cNvPr id="93" name="CustomShape 3"/>
+        <p:style>
+          <a:lnRef idx="0"/>
+          <a:fillRef idx="0"/>
+          <a:effectRef idx="0"/>
+          <a:fontRef idx="minor"/>
+        </p:style>
+      </p:sp>
+      <p:sp>
+        <p:nvSpPr>
+          <p:cNvPr id="87" name="CustomShape 3"/>
           <p:cNvSpPr/>
           <p:nvPr/>
         </p:nvSpPr>
         <p:spPr>
           <a:xfrm>
             <a:off x="285840" y="0"/>
-            <a:ext cx="228240" cy="1576080"/>
+            <a:ext cx="227880" cy="1575720"/>
           </a:xfrm>
           <a:prstGeom prst="rect">
             <a:avLst/>
@@ -5423,14 +4975,14 @@
       </p:sp>
       <p:sp>
         <p:nvSpPr>
-          <p:cNvPr id="94" name="CustomShape 4"/>
+          <p:cNvPr id="88" name="CustomShape 4"/>
           <p:cNvSpPr/>
           <p:nvPr/>
         </p:nvSpPr>
         <p:spPr>
           <a:xfrm>
             <a:off x="1301400" y="6273360"/>
-            <a:ext cx="8560080" cy="577800"/>
+            <a:ext cx="8559720" cy="577440"/>
           </a:xfrm>
           <a:prstGeom prst="rect">
             <a:avLst/>
@@ -5465,6 +5017,7 @@
                   </a:solidFill>
                 </a:uFill>
                 <a:latin typeface="Trebuchet MS Bold"/>
+                <a:ea typeface="DejaVu Sans"/>
               </a:rPr>
               <a:t>#Hashtag</a:t>
             </a:r>
@@ -5484,14 +5037,14 @@
       </p:sp>
       <p:sp>
         <p:nvSpPr>
-          <p:cNvPr id="95" name="CustomShape 5"/>
+          <p:cNvPr id="89" name="CustomShape 5"/>
           <p:cNvSpPr/>
           <p:nvPr/>
         </p:nvSpPr>
         <p:spPr>
           <a:xfrm rot="16200000">
-            <a:off x="10617120" y="851040"/>
-            <a:ext cx="2279520" cy="577800"/>
+            <a:off x="10617120" y="851400"/>
+            <a:ext cx="2279160" cy="577440"/>
           </a:xfrm>
           <a:prstGeom prst="rect">
             <a:avLst/>
@@ -5526,6 +5079,7 @@
                   </a:solidFill>
                 </a:uFill>
                 <a:latin typeface="Trebuchet MS Bold"/>
+                <a:ea typeface="DejaVu Sans"/>
               </a:rPr>
               <a:t>@twitter</a:t>
             </a:r>
@@ -5604,14 +5158,14 @@
       </p:grpSpPr>
       <p:sp>
         <p:nvSpPr>
-          <p:cNvPr id="96" name="TextShape 1"/>
-          <p:cNvSpPr txBox="1"/>
+          <p:cNvPr id="90" name="CustomShape 1"/>
+          <p:cNvSpPr/>
           <p:nvPr/>
         </p:nvSpPr>
         <p:spPr>
           <a:xfrm>
             <a:off x="285840" y="250920"/>
-            <a:ext cx="10515240" cy="1325160"/>
+            <a:ext cx="10514880" cy="1324800"/>
           </a:xfrm>
           <a:prstGeom prst="rect">
             <a:avLst/>
@@ -5621,6 +5175,12 @@
             <a:noFill/>
           </a:ln>
         </p:spPr>
+        <p:style>
+          <a:lnRef idx="0"/>
+          <a:fillRef idx="0"/>
+          <a:effectRef idx="0"/>
+          <a:fontRef idx="minor"/>
+        </p:style>
         <p:txBody>
           <a:bodyPr lIns="0" rIns="0" tIns="0" bIns="0" anchor="ctr"/>
           <a:p>
@@ -5630,7 +5190,7 @@
               </a:lnSpc>
             </a:pPr>
             <a:r>
-              <a:rPr b="0" lang="fr-FR" sz="7200" spc="-1" strike="noStrike">
+              <a:rPr b="0" lang="en-US" sz="7200" spc="-1" strike="noStrike">
                 <a:solidFill>
                   <a:srgbClr val="002060"/>
                 </a:solidFill>
@@ -5644,7 +5204,7 @@
               <a:t>  </a:t>
             </a:r>
             <a:r>
-              <a:rPr b="0" lang="fr-FR" sz="7200" spc="-1" strike="noStrike">
+              <a:rPr b="0" lang="en-US" sz="7200" spc="-1" strike="noStrike">
                 <a:solidFill>
                   <a:srgbClr val="002060"/>
                 </a:solidFill>
@@ -5657,30 +5217,30 @@
               </a:rPr>
               <a:t>Title Title example</a:t>
             </a:r>
-            <a:endParaRPr b="0" lang="fr-FR" sz="1800" spc="-1" strike="noStrike">
-              <a:solidFill>
-                <a:srgbClr val="000000"/>
-              </a:solidFill>
-              <a:uFill>
-                <a:solidFill>
-                  <a:srgbClr val="ffffff"/>
-                </a:solidFill>
-              </a:uFill>
-              <a:latin typeface="Calibri"/>
-            </a:endParaRPr>
-          </a:p>
-        </p:txBody>
-      </p:sp>
-      <p:sp>
-        <p:nvSpPr>
-          <p:cNvPr id="97" name="CustomShape 2"/>
+            <a:endParaRPr b="0" lang="en-US" sz="1800" spc="-1" strike="noStrike">
+              <a:solidFill>
+                <a:srgbClr val="000000"/>
+              </a:solidFill>
+              <a:uFill>
+                <a:solidFill>
+                  <a:srgbClr val="ffffff"/>
+                </a:solidFill>
+              </a:uFill>
+              <a:latin typeface="Arial"/>
+            </a:endParaRPr>
+          </a:p>
+        </p:txBody>
+      </p:sp>
+      <p:sp>
+        <p:nvSpPr>
+          <p:cNvPr id="91" name="CustomShape 2"/>
           <p:cNvSpPr/>
           <p:nvPr/>
         </p:nvSpPr>
         <p:spPr>
           <a:xfrm>
             <a:off x="285840" y="0"/>
-            <a:ext cx="228240" cy="1576080"/>
+            <a:ext cx="227880" cy="1575720"/>
           </a:xfrm>
           <a:prstGeom prst="rect">
             <a:avLst/>
@@ -5711,14 +5271,14 @@
       </p:sp>
       <p:sp>
         <p:nvSpPr>
-          <p:cNvPr id="98" name="CustomShape 3"/>
+          <p:cNvPr id="92" name="CustomShape 3"/>
           <p:cNvSpPr/>
           <p:nvPr/>
         </p:nvSpPr>
         <p:spPr>
           <a:xfrm>
             <a:off x="1301400" y="6273360"/>
-            <a:ext cx="8560080" cy="577800"/>
+            <a:ext cx="8559720" cy="577440"/>
           </a:xfrm>
           <a:prstGeom prst="rect">
             <a:avLst/>
@@ -5753,6 +5313,7 @@
                   </a:solidFill>
                 </a:uFill>
                 <a:latin typeface="Trebuchet MS Bold"/>
+                <a:ea typeface="DejaVu Sans"/>
               </a:rPr>
               <a:t>#Hashtag</a:t>
             </a:r>
@@ -5772,14 +5333,14 @@
       </p:sp>
       <p:sp>
         <p:nvSpPr>
-          <p:cNvPr id="99" name="CustomShape 4"/>
+          <p:cNvPr id="93" name="CustomShape 4"/>
           <p:cNvSpPr/>
           <p:nvPr/>
         </p:nvSpPr>
         <p:spPr>
           <a:xfrm rot="16200000">
-            <a:off x="10617120" y="851040"/>
-            <a:ext cx="2279520" cy="577800"/>
+            <a:off x="10617120" y="851400"/>
+            <a:ext cx="2279160" cy="577440"/>
           </a:xfrm>
           <a:prstGeom prst="rect">
             <a:avLst/>
@@ -5814,6 +5375,7 @@
                   </a:solidFill>
                 </a:uFill>
                 <a:latin typeface="Trebuchet MS Bold"/>
+                <a:ea typeface="DejaVu Sans"/>
               </a:rPr>
               <a:t>@twitter</a:t>
             </a:r>
@@ -5833,14 +5395,14 @@
       </p:sp>
       <p:sp>
         <p:nvSpPr>
-          <p:cNvPr id="100" name="CustomShape 5"/>
+          <p:cNvPr id="94" name="CustomShape 5"/>
           <p:cNvSpPr/>
           <p:nvPr/>
         </p:nvSpPr>
         <p:spPr>
           <a:xfrm>
             <a:off x="1587600" y="1576440"/>
-            <a:ext cx="9213480" cy="4766760"/>
+            <a:ext cx="9213120" cy="4766400"/>
           </a:xfrm>
           <a:custGeom>
             <a:avLst/>
@@ -6048,14 +5610,14 @@
       </p:grpSpPr>
       <p:sp>
         <p:nvSpPr>
-          <p:cNvPr id="101" name="TextShape 1"/>
-          <p:cNvSpPr txBox="1"/>
+          <p:cNvPr id="95" name="CustomShape 1"/>
+          <p:cNvSpPr/>
           <p:nvPr/>
         </p:nvSpPr>
         <p:spPr>
           <a:xfrm>
             <a:off x="590400" y="1054080"/>
-            <a:ext cx="10515240" cy="3330360"/>
+            <a:ext cx="10514880" cy="3330000"/>
           </a:xfrm>
           <a:prstGeom prst="rect">
             <a:avLst/>
@@ -6065,16 +5627,17 @@
             <a:noFill/>
           </a:ln>
         </p:spPr>
+        <p:style>
+          <a:lnRef idx="0"/>
+          <a:fillRef idx="0"/>
+          <a:effectRef idx="0"/>
+          <a:fontRef idx="minor"/>
+        </p:style>
         <p:txBody>
           <a:bodyPr lIns="0" rIns="0" tIns="0" bIns="0" anchor="ctr"/>
           <a:p>
-            <a:pPr>
-              <a:lnSpc>
-                <a:spcPct val="100000"/>
-              </a:lnSpc>
-            </a:pPr>
             <a:r>
-              <a:rPr b="0" lang="fr-FR" sz="11500" spc="-1" strike="noStrike">
+              <a:rPr b="0" lang="en-US" sz="11500" spc="-1" strike="noStrike">
                 <a:solidFill>
                   <a:srgbClr val="ffffff"/>
                 </a:solidFill>
@@ -6087,23 +5650,26 @@
               </a:rPr>
               <a:t>Section </a:t>
             </a:r>
+            <a:endParaRPr b="0" lang="en-US" sz="1800" spc="-1" strike="noStrike">
+              <a:solidFill>
+                <a:srgbClr val="ffffff"/>
+              </a:solidFill>
+              <a:uFill>
+                <a:solidFill>
+                  <a:srgbClr val="ffffff"/>
+                </a:solidFill>
+              </a:uFill>
+              <a:latin typeface="Arial"/>
+            </a:endParaRPr>
+          </a:p>
+          <a:p>
+            <a:pPr>
+              <a:lnSpc>
+                <a:spcPct val="100000"/>
+              </a:lnSpc>
+            </a:pPr>
             <a:r>
-              <a:rPr b="0" lang="fr-FR" sz="11500" spc="-1" strike="noStrike">
-                <a:solidFill>
-                  <a:srgbClr val="ffffff"/>
-                </a:solidFill>
-                <a:uFill>
-                  <a:solidFill>
-                    <a:srgbClr val="ffffff"/>
-                  </a:solidFill>
-                </a:uFill>
-                <a:latin typeface="Trebuchet MS Bold"/>
-              </a:rPr>
-              <a:t>
-</a:t>
-            </a:r>
-            <a:r>
-              <a:rPr b="0" lang="fr-FR" sz="11500" spc="-1" strike="noStrike">
+              <a:rPr b="0" lang="en-US" sz="11500" spc="-1" strike="noStrike">
                 <a:solidFill>
                   <a:srgbClr val="ffffff"/>
                 </a:solidFill>
@@ -6116,30 +5682,30 @@
               </a:rPr>
               <a:t>Title</a:t>
             </a:r>
-            <a:endParaRPr b="0" lang="fr-FR" sz="1800" spc="-1" strike="noStrike">
-              <a:solidFill>
-                <a:srgbClr val="000000"/>
-              </a:solidFill>
-              <a:uFill>
-                <a:solidFill>
-                  <a:srgbClr val="ffffff"/>
-                </a:solidFill>
-              </a:uFill>
-              <a:latin typeface="Calibri"/>
-            </a:endParaRPr>
-          </a:p>
-        </p:txBody>
-      </p:sp>
-      <p:sp>
-        <p:nvSpPr>
-          <p:cNvPr id="102" name="CustomShape 2"/>
+            <a:endParaRPr b="0" lang="en-US" sz="1800" spc="-1" strike="noStrike">
+              <a:solidFill>
+                <a:srgbClr val="ffffff"/>
+              </a:solidFill>
+              <a:uFill>
+                <a:solidFill>
+                  <a:srgbClr val="ffffff"/>
+                </a:solidFill>
+              </a:uFill>
+              <a:latin typeface="Arial"/>
+            </a:endParaRPr>
+          </a:p>
+        </p:txBody>
+      </p:sp>
+      <p:sp>
+        <p:nvSpPr>
+          <p:cNvPr id="96" name="CustomShape 2"/>
           <p:cNvSpPr/>
           <p:nvPr/>
         </p:nvSpPr>
         <p:spPr>
           <a:xfrm>
             <a:off x="84240" y="6249600"/>
-            <a:ext cx="8560080" cy="577800"/>
+            <a:ext cx="8559720" cy="577440"/>
           </a:xfrm>
           <a:prstGeom prst="rect">
             <a:avLst/>
@@ -6174,6 +5740,7 @@
                   </a:solidFill>
                 </a:uFill>
                 <a:latin typeface="Trebuchet MS Bold"/>
+                <a:ea typeface="DejaVu Sans"/>
               </a:rPr>
               <a:t>#Hashtag</a:t>
             </a:r>
